--- a/Documentação/Slides/Entregas da 2° Sprint.pptx
+++ b/Documentação/Slides/Entregas da 2° Sprint.pptx
@@ -14,6 +14,7 @@
     <p:sldId id="263" r:id="rId8"/>
     <p:sldId id="264" r:id="rId9"/>
     <p:sldId id="265" r:id="rId10"/>
+    <p:sldId id="266" r:id="rId11"/>
   </p:sldIdLst>
   <p:sldSz cx="12192000" cy="6858000"/>
   <p:notesSz cx="6858000" cy="9144000"/>
@@ -112,6 +113,11 @@
       </a:defRPr>
     </a:lvl9pPr>
   </p:defaultTextStyle>
+  <p:extLst>
+    <p:ext uri="{EFAFB233-063F-42B5-8137-9DF3F51BA10A}">
+      <p15:sldGuideLst xmlns:p15="http://schemas.microsoft.com/office/powerpoint/2012/main"/>
+    </p:ext>
+  </p:extLst>
 </p:presentation>
 </file>
 
@@ -262,7 +268,7 @@
           <a:p>
             <a:fld id="{F698199D-10B3-4A10-A497-FC332B6FE00D}" type="datetimeFigureOut">
               <a:rPr lang="pt-BR" smtClean="0"/>
-              <a:t>21/10/2019</a:t>
+              <a:t>22/10/2019</a:t>
             </a:fld>
             <a:endParaRPr lang="pt-BR"/>
           </a:p>
@@ -460,7 +466,7 @@
           <a:p>
             <a:fld id="{F698199D-10B3-4A10-A497-FC332B6FE00D}" type="datetimeFigureOut">
               <a:rPr lang="pt-BR" smtClean="0"/>
-              <a:t>21/10/2019</a:t>
+              <a:t>22/10/2019</a:t>
             </a:fld>
             <a:endParaRPr lang="pt-BR"/>
           </a:p>
@@ -668,7 +674,7 @@
           <a:p>
             <a:fld id="{F698199D-10B3-4A10-A497-FC332B6FE00D}" type="datetimeFigureOut">
               <a:rPr lang="pt-BR" smtClean="0"/>
-              <a:t>21/10/2019</a:t>
+              <a:t>22/10/2019</a:t>
             </a:fld>
             <a:endParaRPr lang="pt-BR"/>
           </a:p>
@@ -866,7 +872,7 @@
           <a:p>
             <a:fld id="{F698199D-10B3-4A10-A497-FC332B6FE00D}" type="datetimeFigureOut">
               <a:rPr lang="pt-BR" smtClean="0"/>
-              <a:t>21/10/2019</a:t>
+              <a:t>22/10/2019</a:t>
             </a:fld>
             <a:endParaRPr lang="pt-BR"/>
           </a:p>
@@ -1141,7 +1147,7 @@
           <a:p>
             <a:fld id="{F698199D-10B3-4A10-A497-FC332B6FE00D}" type="datetimeFigureOut">
               <a:rPr lang="pt-BR" smtClean="0"/>
-              <a:t>21/10/2019</a:t>
+              <a:t>22/10/2019</a:t>
             </a:fld>
             <a:endParaRPr lang="pt-BR"/>
           </a:p>
@@ -1406,7 +1412,7 @@
           <a:p>
             <a:fld id="{F698199D-10B3-4A10-A497-FC332B6FE00D}" type="datetimeFigureOut">
               <a:rPr lang="pt-BR" smtClean="0"/>
-              <a:t>21/10/2019</a:t>
+              <a:t>22/10/2019</a:t>
             </a:fld>
             <a:endParaRPr lang="pt-BR"/>
           </a:p>
@@ -1818,7 +1824,7 @@
           <a:p>
             <a:fld id="{F698199D-10B3-4A10-A497-FC332B6FE00D}" type="datetimeFigureOut">
               <a:rPr lang="pt-BR" smtClean="0"/>
-              <a:t>21/10/2019</a:t>
+              <a:t>22/10/2019</a:t>
             </a:fld>
             <a:endParaRPr lang="pt-BR"/>
           </a:p>
@@ -1959,7 +1965,7 @@
           <a:p>
             <a:fld id="{F698199D-10B3-4A10-A497-FC332B6FE00D}" type="datetimeFigureOut">
               <a:rPr lang="pt-BR" smtClean="0"/>
-              <a:t>21/10/2019</a:t>
+              <a:t>22/10/2019</a:t>
             </a:fld>
             <a:endParaRPr lang="pt-BR"/>
           </a:p>
@@ -2072,7 +2078,7 @@
           <a:p>
             <a:fld id="{F698199D-10B3-4A10-A497-FC332B6FE00D}" type="datetimeFigureOut">
               <a:rPr lang="pt-BR" smtClean="0"/>
-              <a:t>21/10/2019</a:t>
+              <a:t>22/10/2019</a:t>
             </a:fld>
             <a:endParaRPr lang="pt-BR"/>
           </a:p>
@@ -2383,7 +2389,7 @@
           <a:p>
             <a:fld id="{F698199D-10B3-4A10-A497-FC332B6FE00D}" type="datetimeFigureOut">
               <a:rPr lang="pt-BR" smtClean="0"/>
-              <a:t>21/10/2019</a:t>
+              <a:t>22/10/2019</a:t>
             </a:fld>
             <a:endParaRPr lang="pt-BR"/>
           </a:p>
@@ -2671,7 +2677,7 @@
           <a:p>
             <a:fld id="{F698199D-10B3-4A10-A497-FC332B6FE00D}" type="datetimeFigureOut">
               <a:rPr lang="pt-BR" smtClean="0"/>
-              <a:t>21/10/2019</a:t>
+              <a:t>22/10/2019</a:t>
             </a:fld>
             <a:endParaRPr lang="pt-BR"/>
           </a:p>
@@ -2912,7 +2918,7 @@
           <a:p>
             <a:fld id="{F698199D-10B3-4A10-A497-FC332B6FE00D}" type="datetimeFigureOut">
               <a:rPr lang="pt-BR" smtClean="0"/>
-              <a:t>21/10/2019</a:t>
+              <a:t>22/10/2019</a:t>
             </a:fld>
             <a:endParaRPr lang="pt-BR"/>
           </a:p>
@@ -3492,14 +3498,22 @@
           <a:lstStyle/>
           <a:p>
             <a:r>
-              <a:rPr lang="en-GB" sz="6000">
+              <a:rPr lang="en-GB" sz="6000" dirty="0" err="1">
                 <a:solidFill>
                   <a:srgbClr val="FFFFFF"/>
                 </a:solidFill>
               </a:rPr>
-              <a:t>Entregas da 2° Sprint</a:t>
-            </a:r>
-            <a:endParaRPr lang="pt-BR" sz="6000">
+              <a:t>Entregas</a:t>
+            </a:r>
+            <a:r>
+              <a:rPr lang="en-GB" sz="6000" dirty="0">
+                <a:solidFill>
+                  <a:srgbClr val="FFFFFF"/>
+                </a:solidFill>
+              </a:rPr>
+              <a:t> da 2° Sprint</a:t>
+            </a:r>
+            <a:endParaRPr lang="pt-BR" sz="6000" dirty="0">
               <a:solidFill>
                 <a:srgbClr val="FFFFFF"/>
               </a:solidFill>
@@ -3526,18 +3540,97 @@
         <p:spPr>
           <a:xfrm>
             <a:off x="1376313" y="5665510"/>
-            <a:ext cx="9426806" cy="719122"/>
+            <a:ext cx="3442072" cy="719122"/>
           </a:xfrm>
         </p:spPr>
         <p:txBody>
           <a:bodyPr>
-            <a:normAutofit/>
+            <a:noAutofit/>
           </a:bodyPr>
           <a:lstStyle/>
           <a:p>
-            <a:endParaRPr lang="pt-BR">
+            <a:pPr marL="342900" indent="-342900" algn="l">
+              <a:buFont typeface="Arial" panose="020B0604020202020204" pitchFamily="34" charset="0"/>
+              <a:buChar char="•"/>
+            </a:pPr>
+            <a:r>
+              <a:rPr lang="en-GB" sz="1600" dirty="0" err="1">
+                <a:solidFill>
+                  <a:schemeClr val="bg1"/>
+                </a:solidFill>
+              </a:rPr>
+              <a:t>Fabíola</a:t>
+            </a:r>
+            <a:r>
+              <a:rPr lang="en-GB" sz="1600" dirty="0">
+                <a:solidFill>
+                  <a:schemeClr val="bg1"/>
+                </a:solidFill>
+              </a:rPr>
+              <a:t> </a:t>
+            </a:r>
+            <a:r>
+              <a:rPr lang="en-GB" sz="1600" dirty="0" err="1">
+                <a:solidFill>
+                  <a:schemeClr val="bg1"/>
+                </a:solidFill>
+              </a:rPr>
+              <a:t>Canedo</a:t>
+            </a:r>
+            <a:r>
+              <a:rPr lang="en-GB" sz="1600" dirty="0">
+                <a:solidFill>
+                  <a:schemeClr val="bg1"/>
+                </a:solidFill>
+              </a:rPr>
+              <a:t> </a:t>
+            </a:r>
+            <a:r>
+              <a:rPr lang="en-GB" sz="1600" dirty="0" err="1">
+                <a:solidFill>
+                  <a:schemeClr val="bg1"/>
+                </a:solidFill>
+              </a:rPr>
+              <a:t>ra</a:t>
+            </a:r>
+            <a:r>
+              <a:rPr lang="en-GB" sz="1600" dirty="0">
+                <a:solidFill>
+                  <a:schemeClr val="bg1"/>
+                </a:solidFill>
+              </a:rPr>
+              <a:t> </a:t>
+            </a:r>
+            <a:r>
+              <a:rPr lang="pt-BR" sz="1600" dirty="0">
+                <a:solidFill>
+                  <a:schemeClr val="bg1"/>
+                </a:solidFill>
+              </a:rPr>
+              <a:t>RA 01191065</a:t>
+            </a:r>
+            <a:endParaRPr lang="en-GB" sz="1600" dirty="0">
               <a:solidFill>
-                <a:srgbClr val="E7E6E6"/>
+                <a:schemeClr val="bg1"/>
+              </a:solidFill>
+            </a:endParaRPr>
+          </a:p>
+          <a:p>
+            <a:pPr marL="342900" indent="-342900" algn="l">
+              <a:buFont typeface="Arial" panose="020B0604020202020204" pitchFamily="34" charset="0"/>
+              <a:buChar char="•"/>
+            </a:pPr>
+            <a:r>
+              <a:rPr lang="en-GB" sz="1600" dirty="0">
+                <a:solidFill>
+                  <a:schemeClr val="bg1"/>
+                </a:solidFill>
+              </a:rPr>
+              <a:t>Gabriel Sutto RA 01191127 </a:t>
+            </a:r>
+            <a:endParaRPr lang="pt-BR" sz="1600" dirty="0">
+              <a:solidFill>
+                <a:schemeClr val="bg1"/>
               </a:solidFill>
             </a:endParaRPr>
           </a:p>
@@ -3579,6 +3672,186 @@
           </a:prstGeom>
         </p:spPr>
       </p:pic>
+      <p:sp>
+        <p:nvSpPr>
+          <p:cNvPr id="4" name="CaixaDeTexto 3">
+            <a:extLst>
+              <a:ext uri="{FF2B5EF4-FFF2-40B4-BE49-F238E27FC236}">
+                <a16:creationId xmlns:a16="http://schemas.microsoft.com/office/drawing/2014/main" id="{FE0BA6B3-9AE7-455E-BE18-C2B6E07DFBC4}"/>
+              </a:ext>
+            </a:extLst>
+          </p:cNvPr>
+          <p:cNvSpPr txBox="1"/>
+          <p:nvPr/>
+        </p:nvSpPr>
+        <p:spPr>
+          <a:xfrm>
+            <a:off x="4906887" y="5709599"/>
+            <a:ext cx="3442072" cy="1200329"/>
+          </a:xfrm>
+          <a:prstGeom prst="rect">
+            <a:avLst/>
+          </a:prstGeom>
+          <a:noFill/>
+        </p:spPr>
+        <p:txBody>
+          <a:bodyPr wrap="square" rtlCol="0">
+            <a:spAutoFit/>
+          </a:bodyPr>
+          <a:lstStyle/>
+          <a:p>
+            <a:pPr marL="285750" indent="-285750">
+              <a:buFont typeface="Arial" panose="020B0604020202020204" pitchFamily="34" charset="0"/>
+              <a:buChar char="•"/>
+            </a:pPr>
+            <a:r>
+              <a:rPr lang="en-GB" dirty="0">
+                <a:solidFill>
+                  <a:schemeClr val="bg1"/>
+                </a:solidFill>
+              </a:rPr>
+              <a:t> </a:t>
+            </a:r>
+            <a:r>
+              <a:rPr lang="en-GB" sz="1600" dirty="0">
+                <a:solidFill>
+                  <a:schemeClr val="bg1"/>
+                </a:solidFill>
+              </a:rPr>
+              <a:t>Leonardo Italo RA </a:t>
+            </a:r>
+            <a:r>
+              <a:rPr lang="pt-BR" sz="1600" dirty="0">
+                <a:solidFill>
+                  <a:schemeClr val="bg1"/>
+                </a:solidFill>
+              </a:rPr>
+              <a:t>01191086</a:t>
+            </a:r>
+            <a:endParaRPr lang="en-GB" sz="1600" dirty="0">
+              <a:solidFill>
+                <a:schemeClr val="bg1"/>
+              </a:solidFill>
+            </a:endParaRPr>
+          </a:p>
+          <a:p>
+            <a:pPr marL="285750" indent="-285750">
+              <a:buFont typeface="Arial" panose="020B0604020202020204" pitchFamily="34" charset="0"/>
+              <a:buChar char="•"/>
+            </a:pPr>
+            <a:r>
+              <a:rPr lang="en-GB" sz="1600" dirty="0">
+                <a:solidFill>
+                  <a:schemeClr val="bg1"/>
+                </a:solidFill>
+              </a:rPr>
+              <a:t>Natalia Medina RA</a:t>
+            </a:r>
+            <a:r>
+              <a:rPr lang="en-GB" dirty="0">
+                <a:solidFill>
+                  <a:schemeClr val="bg1"/>
+                </a:solidFill>
+              </a:rPr>
+              <a:t> </a:t>
+            </a:r>
+            <a:r>
+              <a:rPr lang="pt-BR" dirty="0">
+                <a:solidFill>
+                  <a:schemeClr val="bg1"/>
+                </a:solidFill>
+              </a:rPr>
+              <a:t>01191104</a:t>
+            </a:r>
+          </a:p>
+          <a:p>
+            <a:pPr marL="285750" indent="-285750">
+              <a:buFont typeface="Arial" panose="020B0604020202020204" pitchFamily="34" charset="0"/>
+              <a:buChar char="•"/>
+            </a:pPr>
+            <a:endParaRPr lang="en-GB" dirty="0">
+              <a:solidFill>
+                <a:schemeClr val="bg1"/>
+              </a:solidFill>
+            </a:endParaRPr>
+          </a:p>
+          <a:p>
+            <a:pPr marL="285750" indent="-285750">
+              <a:buFont typeface="Arial" panose="020B0604020202020204" pitchFamily="34" charset="0"/>
+              <a:buChar char="•"/>
+            </a:pPr>
+            <a:endParaRPr lang="pt-BR" dirty="0">
+              <a:solidFill>
+                <a:schemeClr val="bg1"/>
+              </a:solidFill>
+            </a:endParaRPr>
+          </a:p>
+        </p:txBody>
+      </p:sp>
+      <p:sp>
+        <p:nvSpPr>
+          <p:cNvPr id="7" name="CaixaDeTexto 6">
+            <a:extLst>
+              <a:ext uri="{FF2B5EF4-FFF2-40B4-BE49-F238E27FC236}">
+                <a16:creationId xmlns:a16="http://schemas.microsoft.com/office/drawing/2014/main" id="{7605C969-8334-4385-902B-06821A819F5D}"/>
+              </a:ext>
+            </a:extLst>
+          </p:cNvPr>
+          <p:cNvSpPr txBox="1"/>
+          <p:nvPr/>
+        </p:nvSpPr>
+        <p:spPr>
+          <a:xfrm>
+            <a:off x="7543555" y="5719734"/>
+            <a:ext cx="4485688" cy="338554"/>
+          </a:xfrm>
+          <a:prstGeom prst="rect">
+            <a:avLst/>
+          </a:prstGeom>
+          <a:noFill/>
+        </p:spPr>
+        <p:txBody>
+          <a:bodyPr wrap="square" rtlCol="0">
+            <a:spAutoFit/>
+          </a:bodyPr>
+          <a:lstStyle/>
+          <a:p>
+            <a:pPr lvl="3"/>
+            <a:r>
+              <a:rPr lang="en-GB" sz="1600" dirty="0">
+                <a:solidFill>
+                  <a:schemeClr val="bg1"/>
+                </a:solidFill>
+              </a:rPr>
+              <a:t>Yuri </a:t>
+            </a:r>
+            <a:r>
+              <a:rPr lang="en-GB" sz="1600" dirty="0" err="1">
+                <a:solidFill>
+                  <a:schemeClr val="bg1"/>
+                </a:solidFill>
+              </a:rPr>
+              <a:t>Uliam</a:t>
+            </a:r>
+            <a:r>
+              <a:rPr lang="en-GB" sz="1600" dirty="0">
+                <a:solidFill>
+                  <a:schemeClr val="bg1"/>
+                </a:solidFill>
+              </a:rPr>
+              <a:t> RA </a:t>
+            </a:r>
+            <a:r>
+              <a:rPr lang="pt-BR" sz="1600" dirty="0">
+                <a:solidFill>
+                  <a:schemeClr val="bg1"/>
+                </a:solidFill>
+              </a:rPr>
+              <a:t>01191120</a:t>
+            </a:r>
+          </a:p>
+        </p:txBody>
+      </p:sp>
     </p:spTree>
     <p:extLst>
       <p:ext uri="{BB962C8B-B14F-4D97-AF65-F5344CB8AC3E}">
@@ -3588,6 +3861,284 @@
   </p:cSld>
   <p:clrMapOvr>
     <a:masterClrMapping/>
+  </p:clrMapOvr>
+</p:sld>
+</file>
+
+<file path=ppt/slides/slide10.xml><?xml version="1.0" encoding="utf-8"?>
+<p:sld xmlns:a="http://schemas.openxmlformats.org/drawingml/2006/main" xmlns:r="http://schemas.openxmlformats.org/officeDocument/2006/relationships" xmlns:p="http://schemas.openxmlformats.org/presentationml/2006/main">
+  <p:cSld>
+    <p:bg>
+      <p:bgPr>
+        <a:solidFill>
+          <a:schemeClr val="tx1"/>
+        </a:solidFill>
+        <a:effectLst/>
+      </p:bgPr>
+    </p:bg>
+    <p:spTree>
+      <p:nvGrpSpPr>
+        <p:cNvPr id="1" name=""/>
+        <p:cNvGrpSpPr/>
+        <p:nvPr/>
+      </p:nvGrpSpPr>
+      <p:grpSpPr>
+        <a:xfrm>
+          <a:off x="0" y="0"/>
+          <a:ext cx="0" cy="0"/>
+          <a:chOff x="0" y="0"/>
+          <a:chExt cx="0" cy="0"/>
+        </a:xfrm>
+      </p:grpSpPr>
+      <p:sp>
+        <p:nvSpPr>
+          <p:cNvPr id="19" name="Rectangle 18">
+            <a:extLst>
+              <a:ext uri="{FF2B5EF4-FFF2-40B4-BE49-F238E27FC236}">
+                <a16:creationId xmlns:a16="http://schemas.microsoft.com/office/drawing/2014/main" id="{2A8AA5BC-4F7A-4226-8F99-6D824B226A97}"/>
+              </a:ext>
+              <a:ext uri="{C183D7F6-B498-43B3-948B-1728B52AA6E4}">
+                <adec:decorative xmlns:adec="http://schemas.microsoft.com/office/drawing/2017/decorative" val="1"/>
+              </a:ext>
+            </a:extLst>
+          </p:cNvPr>
+          <p:cNvSpPr>
+            <a:spLocks noGrp="1" noRot="1" noChangeAspect="1" noMove="1" noResize="1" noEditPoints="1" noAdjustHandles="1" noChangeArrowheads="1" noChangeShapeType="1" noTextEdit="1"/>
+          </p:cNvSpPr>
+          <p:nvPr>
+            <p:extLst>
+              <p:ext uri="{386F3935-93C4-4BCD-93E2-E3B085C9AB24}">
+                <p16:designElem xmlns:p16="http://schemas.microsoft.com/office/powerpoint/2015/main" val="1"/>
+              </p:ext>
+            </p:extLst>
+          </p:nvPr>
+        </p:nvSpPr>
+        <p:spPr>
+          <a:xfrm>
+            <a:off x="0" y="-3324"/>
+            <a:ext cx="12192000" cy="6861324"/>
+          </a:xfrm>
+          <a:prstGeom prst="rect">
+            <a:avLst/>
+          </a:prstGeom>
+          <a:solidFill>
+            <a:schemeClr val="tx1"/>
+          </a:solidFill>
+          <a:ln>
+            <a:noFill/>
+          </a:ln>
+        </p:spPr>
+        <p:style>
+          <a:lnRef idx="2">
+            <a:schemeClr val="accent1">
+              <a:shade val="50000"/>
+            </a:schemeClr>
+          </a:lnRef>
+          <a:fillRef idx="1">
+            <a:schemeClr val="accent1"/>
+          </a:fillRef>
+          <a:effectRef idx="0">
+            <a:schemeClr val="accent1"/>
+          </a:effectRef>
+          <a:fontRef idx="minor">
+            <a:schemeClr val="lt1"/>
+          </a:fontRef>
+        </p:style>
+        <p:txBody>
+          <a:bodyPr rtlCol="0" anchor="ctr"/>
+          <a:lstStyle/>
+          <a:p>
+            <a:pPr algn="ctr"/>
+            <a:endParaRPr lang="en-US"/>
+          </a:p>
+        </p:txBody>
+      </p:sp>
+      <p:sp>
+        <p:nvSpPr>
+          <p:cNvPr id="21" name="Rectangle 20">
+            <a:extLst>
+              <a:ext uri="{FF2B5EF4-FFF2-40B4-BE49-F238E27FC236}">
+                <a16:creationId xmlns:a16="http://schemas.microsoft.com/office/drawing/2014/main" id="{3E5445C6-DD42-4979-86FF-03730E8C6DB0}"/>
+              </a:ext>
+              <a:ext uri="{C183D7F6-B498-43B3-948B-1728B52AA6E4}">
+                <adec:decorative xmlns:adec="http://schemas.microsoft.com/office/drawing/2017/decorative" val="1"/>
+              </a:ext>
+            </a:extLst>
+          </p:cNvPr>
+          <p:cNvSpPr>
+            <a:spLocks noGrp="1" noRot="1" noChangeAspect="1" noMove="1" noResize="1" noEditPoints="1" noAdjustHandles="1" noChangeArrowheads="1" noChangeShapeType="1" noTextEdit="1"/>
+          </p:cNvSpPr>
+          <p:nvPr>
+            <p:extLst>
+              <p:ext uri="{386F3935-93C4-4BCD-93E2-E3B085C9AB24}">
+                <p16:designElem xmlns:p16="http://schemas.microsoft.com/office/powerpoint/2015/main" val="1"/>
+              </p:ext>
+            </p:extLst>
+          </p:nvPr>
+        </p:nvSpPr>
+        <p:spPr bwMode="ltGray">
+          <a:xfrm>
+            <a:off x="321734" y="321733"/>
+            <a:ext cx="11573488" cy="6214534"/>
+          </a:xfrm>
+          <a:prstGeom prst="rect">
+            <a:avLst/>
+          </a:prstGeom>
+          <a:solidFill>
+            <a:schemeClr val="bg1">
+              <a:lumMod val="75000"/>
+              <a:lumOff val="25000"/>
+            </a:schemeClr>
+          </a:solidFill>
+          <a:ln w="127000" cap="sq" cmpd="thinThick">
+            <a:solidFill>
+              <a:schemeClr val="bg1">
+                <a:lumMod val="75000"/>
+                <a:lumOff val="25000"/>
+              </a:schemeClr>
+            </a:solidFill>
+          </a:ln>
+        </p:spPr>
+        <p:style>
+          <a:lnRef idx="2">
+            <a:schemeClr val="accent1">
+              <a:shade val="50000"/>
+            </a:schemeClr>
+          </a:lnRef>
+          <a:fillRef idx="1">
+            <a:schemeClr val="accent1"/>
+          </a:fillRef>
+          <a:effectRef idx="0">
+            <a:schemeClr val="accent1"/>
+          </a:effectRef>
+          <a:fontRef idx="minor">
+            <a:schemeClr val="lt1"/>
+          </a:fontRef>
+        </p:style>
+        <p:txBody>
+          <a:bodyPr rtlCol="0" anchor="ctr"/>
+          <a:lstStyle/>
+          <a:p>
+            <a:pPr algn="ctr"/>
+            <a:endParaRPr lang="en-US"/>
+          </a:p>
+        </p:txBody>
+      </p:sp>
+      <p:sp>
+        <p:nvSpPr>
+          <p:cNvPr id="2" name="Título 1">
+            <a:extLst>
+              <a:ext uri="{FF2B5EF4-FFF2-40B4-BE49-F238E27FC236}">
+                <a16:creationId xmlns:a16="http://schemas.microsoft.com/office/drawing/2014/main" id="{0AB2BA90-3112-4EC8-9FA1-6D0F27EFB525}"/>
+              </a:ext>
+            </a:extLst>
+          </p:cNvPr>
+          <p:cNvSpPr>
+            <a:spLocks noGrp="1"/>
+          </p:cNvSpPr>
+          <p:nvPr>
+            <p:ph type="title"/>
+          </p:nvPr>
+        </p:nvSpPr>
+        <p:spPr>
+          <a:xfrm>
+            <a:off x="1524000" y="1122362"/>
+            <a:ext cx="9144000" cy="2840037"/>
+          </a:xfrm>
+        </p:spPr>
+        <p:txBody>
+          <a:bodyPr vert="horz" lIns="91440" tIns="45720" rIns="91440" bIns="45720" rtlCol="0" anchor="b">
+            <a:normAutofit/>
+          </a:bodyPr>
+          <a:lstStyle/>
+          <a:p>
+            <a:pPr algn="ctr"/>
+            <a:r>
+              <a:rPr lang="en-US" sz="4900" kern="1200" dirty="0">
+                <a:solidFill>
+                  <a:schemeClr val="tx1"/>
+                </a:solidFill>
+                <a:latin typeface="+mj-lt"/>
+                <a:ea typeface="+mj-ea"/>
+                <a:cs typeface="+mj-cs"/>
+                <a:hlinkClick r:id="rId2"/>
+              </a:rPr>
+              <a:t>http://minehash.azurewebsites.net</a:t>
+            </a:r>
+            <a:endParaRPr lang="en-US" sz="4900" kern="1200" dirty="0">
+              <a:solidFill>
+                <a:schemeClr val="tx1"/>
+              </a:solidFill>
+              <a:latin typeface="+mj-lt"/>
+              <a:ea typeface="+mj-ea"/>
+              <a:cs typeface="+mj-cs"/>
+            </a:endParaRPr>
+          </a:p>
+        </p:txBody>
+      </p:sp>
+      <p:cxnSp>
+        <p:nvCxnSpPr>
+          <p:cNvPr id="23" name="Straight Connector 22">
+            <a:extLst>
+              <a:ext uri="{FF2B5EF4-FFF2-40B4-BE49-F238E27FC236}">
+                <a16:creationId xmlns:a16="http://schemas.microsoft.com/office/drawing/2014/main" id="{45000665-DFC7-417E-8FD7-516A0F15C975}"/>
+              </a:ext>
+              <a:ext uri="{C183D7F6-B498-43B3-948B-1728B52AA6E4}">
+                <adec:decorative xmlns:adec="http://schemas.microsoft.com/office/drawing/2017/decorative" val="1"/>
+              </a:ext>
+            </a:extLst>
+          </p:cNvPr>
+          <p:cNvCxnSpPr>
+            <a:cxnSpLocks noGrp="1" noRot="1" noChangeAspect="1" noMove="1" noResize="1" noEditPoints="1" noAdjustHandles="1" noChangeArrowheads="1" noChangeShapeType="1"/>
+          </p:cNvCxnSpPr>
+          <p:nvPr>
+            <p:extLst>
+              <p:ext uri="{386F3935-93C4-4BCD-93E2-E3B085C9AB24}">
+                <p16:designElem xmlns:p16="http://schemas.microsoft.com/office/powerpoint/2015/main" val="1"/>
+              </p:ext>
+            </p:extLst>
+          </p:nvPr>
+        </p:nvCxnSpPr>
+        <p:spPr>
+          <a:xfrm>
+            <a:off x="4724400" y="4109417"/>
+            <a:ext cx="2743200" cy="0"/>
+          </a:xfrm>
+          <a:prstGeom prst="line">
+            <a:avLst/>
+          </a:prstGeom>
+          <a:ln w="12700">
+            <a:solidFill>
+              <a:schemeClr val="tx1">
+                <a:lumMod val="85000"/>
+              </a:schemeClr>
+            </a:solidFill>
+          </a:ln>
+        </p:spPr>
+        <p:style>
+          <a:lnRef idx="1">
+            <a:schemeClr val="accent1"/>
+          </a:lnRef>
+          <a:fillRef idx="0">
+            <a:schemeClr val="accent1"/>
+          </a:fillRef>
+          <a:effectRef idx="0">
+            <a:schemeClr val="accent1"/>
+          </a:effectRef>
+          <a:fontRef idx="minor">
+            <a:schemeClr val="tx1"/>
+          </a:fontRef>
+        </p:style>
+      </p:cxnSp>
+    </p:spTree>
+    <p:extLst>
+      <p:ext uri="{BB962C8B-B14F-4D97-AF65-F5344CB8AC3E}">
+        <p14:creationId xmlns:p14="http://schemas.microsoft.com/office/powerpoint/2010/main" val="386053946"/>
+      </p:ext>
+    </p:extLst>
+  </p:cSld>
+  <p:clrMapOvr>
+    <a:overrideClrMapping bg1="dk1" tx1="lt1" bg2="dk2" tx2="lt2" accent1="accent1" accent2="accent2" accent3="accent3" accent4="accent4" accent5="accent5" accent6="accent6" hlink="hlink" folHlink="folHlink"/>
   </p:clrMapOvr>
 </p:sld>
 </file>

--- a/Documentação/Slides/Entregas da 2° Sprint.pptx
+++ b/Documentação/Slides/Entregas da 2° Sprint.pptx
@@ -8,13 +8,17 @@
     <p:sldId id="256" r:id="rId2"/>
     <p:sldId id="257" r:id="rId3"/>
     <p:sldId id="258" r:id="rId4"/>
-    <p:sldId id="259" r:id="rId5"/>
-    <p:sldId id="260" r:id="rId6"/>
-    <p:sldId id="262" r:id="rId7"/>
-    <p:sldId id="263" r:id="rId8"/>
-    <p:sldId id="264" r:id="rId9"/>
-    <p:sldId id="265" r:id="rId10"/>
-    <p:sldId id="266" r:id="rId11"/>
+    <p:sldId id="269" r:id="rId5"/>
+    <p:sldId id="270" r:id="rId6"/>
+    <p:sldId id="259" r:id="rId7"/>
+    <p:sldId id="260" r:id="rId8"/>
+    <p:sldId id="262" r:id="rId9"/>
+    <p:sldId id="263" r:id="rId10"/>
+    <p:sldId id="264" r:id="rId11"/>
+    <p:sldId id="265" r:id="rId12"/>
+    <p:sldId id="266" r:id="rId13"/>
+    <p:sldId id="267" r:id="rId14"/>
+    <p:sldId id="268" r:id="rId15"/>
   </p:sldIdLst>
   <p:sldSz cx="12192000" cy="6858000"/>
   <p:notesSz cx="6858000" cy="9144000"/>
@@ -268,7 +272,7 @@
           <a:p>
             <a:fld id="{F698199D-10B3-4A10-A497-FC332B6FE00D}" type="datetimeFigureOut">
               <a:rPr lang="pt-BR" smtClean="0"/>
-              <a:t>22/10/2019</a:t>
+              <a:t>23/10/2019</a:t>
             </a:fld>
             <a:endParaRPr lang="pt-BR"/>
           </a:p>
@@ -466,7 +470,7 @@
           <a:p>
             <a:fld id="{F698199D-10B3-4A10-A497-FC332B6FE00D}" type="datetimeFigureOut">
               <a:rPr lang="pt-BR" smtClean="0"/>
-              <a:t>22/10/2019</a:t>
+              <a:t>23/10/2019</a:t>
             </a:fld>
             <a:endParaRPr lang="pt-BR"/>
           </a:p>
@@ -674,7 +678,7 @@
           <a:p>
             <a:fld id="{F698199D-10B3-4A10-A497-FC332B6FE00D}" type="datetimeFigureOut">
               <a:rPr lang="pt-BR" smtClean="0"/>
-              <a:t>22/10/2019</a:t>
+              <a:t>23/10/2019</a:t>
             </a:fld>
             <a:endParaRPr lang="pt-BR"/>
           </a:p>
@@ -872,7 +876,7 @@
           <a:p>
             <a:fld id="{F698199D-10B3-4A10-A497-FC332B6FE00D}" type="datetimeFigureOut">
               <a:rPr lang="pt-BR" smtClean="0"/>
-              <a:t>22/10/2019</a:t>
+              <a:t>23/10/2019</a:t>
             </a:fld>
             <a:endParaRPr lang="pt-BR"/>
           </a:p>
@@ -1147,7 +1151,7 @@
           <a:p>
             <a:fld id="{F698199D-10B3-4A10-A497-FC332B6FE00D}" type="datetimeFigureOut">
               <a:rPr lang="pt-BR" smtClean="0"/>
-              <a:t>22/10/2019</a:t>
+              <a:t>23/10/2019</a:t>
             </a:fld>
             <a:endParaRPr lang="pt-BR"/>
           </a:p>
@@ -1412,7 +1416,7 @@
           <a:p>
             <a:fld id="{F698199D-10B3-4A10-A497-FC332B6FE00D}" type="datetimeFigureOut">
               <a:rPr lang="pt-BR" smtClean="0"/>
-              <a:t>22/10/2019</a:t>
+              <a:t>23/10/2019</a:t>
             </a:fld>
             <a:endParaRPr lang="pt-BR"/>
           </a:p>
@@ -1824,7 +1828,7 @@
           <a:p>
             <a:fld id="{F698199D-10B3-4A10-A497-FC332B6FE00D}" type="datetimeFigureOut">
               <a:rPr lang="pt-BR" smtClean="0"/>
-              <a:t>22/10/2019</a:t>
+              <a:t>23/10/2019</a:t>
             </a:fld>
             <a:endParaRPr lang="pt-BR"/>
           </a:p>
@@ -1965,7 +1969,7 @@
           <a:p>
             <a:fld id="{F698199D-10B3-4A10-A497-FC332B6FE00D}" type="datetimeFigureOut">
               <a:rPr lang="pt-BR" smtClean="0"/>
-              <a:t>22/10/2019</a:t>
+              <a:t>23/10/2019</a:t>
             </a:fld>
             <a:endParaRPr lang="pt-BR"/>
           </a:p>
@@ -2078,7 +2082,7 @@
           <a:p>
             <a:fld id="{F698199D-10B3-4A10-A497-FC332B6FE00D}" type="datetimeFigureOut">
               <a:rPr lang="pt-BR" smtClean="0"/>
-              <a:t>22/10/2019</a:t>
+              <a:t>23/10/2019</a:t>
             </a:fld>
             <a:endParaRPr lang="pt-BR"/>
           </a:p>
@@ -2389,7 +2393,7 @@
           <a:p>
             <a:fld id="{F698199D-10B3-4A10-A497-FC332B6FE00D}" type="datetimeFigureOut">
               <a:rPr lang="pt-BR" smtClean="0"/>
-              <a:t>22/10/2019</a:t>
+              <a:t>23/10/2019</a:t>
             </a:fld>
             <a:endParaRPr lang="pt-BR"/>
           </a:p>
@@ -2677,7 +2681,7 @@
           <a:p>
             <a:fld id="{F698199D-10B3-4A10-A497-FC332B6FE00D}" type="datetimeFigureOut">
               <a:rPr lang="pt-BR" smtClean="0"/>
-              <a:t>22/10/2019</a:t>
+              <a:t>23/10/2019</a:t>
             </a:fld>
             <a:endParaRPr lang="pt-BR"/>
           </a:p>
@@ -2918,7 +2922,7 @@
           <a:p>
             <a:fld id="{F698199D-10B3-4A10-A497-FC332B6FE00D}" type="datetimeFigureOut">
               <a:rPr lang="pt-BR" smtClean="0"/>
-              <a:t>22/10/2019</a:t>
+              <a:t>23/10/2019</a:t>
             </a:fld>
             <a:endParaRPr lang="pt-BR"/>
           </a:p>
@@ -3498,20 +3502,12 @@
           <a:lstStyle/>
           <a:p>
             <a:r>
-              <a:rPr lang="en-GB" sz="6000" dirty="0" err="1">
-                <a:solidFill>
-                  <a:srgbClr val="FFFFFF"/>
-                </a:solidFill>
-              </a:rPr>
-              <a:t>Entregas</a:t>
-            </a:r>
-            <a:r>
               <a:rPr lang="en-GB" sz="6000" dirty="0">
                 <a:solidFill>
                   <a:srgbClr val="FFFFFF"/>
                 </a:solidFill>
               </a:rPr>
-              <a:t> da 2° Sprint</a:t>
+              <a:t>Entregas da 2° Sprint</a:t>
             </a:r>
             <a:endParaRPr lang="pt-BR" sz="6000" dirty="0">
               <a:solidFill>
@@ -3554,52 +3550,12 @@
               <a:buChar char="•"/>
             </a:pPr>
             <a:r>
-              <a:rPr lang="en-GB" sz="1600" dirty="0" err="1">
-                <a:solidFill>
-                  <a:schemeClr val="bg1"/>
-                </a:solidFill>
-              </a:rPr>
-              <a:t>Fabíola</a:t>
-            </a:r>
-            <a:r>
               <a:rPr lang="en-GB" sz="1600" dirty="0">
                 <a:solidFill>
                   <a:schemeClr val="bg1"/>
                 </a:solidFill>
               </a:rPr>
-              <a:t> </a:t>
-            </a:r>
-            <a:r>
-              <a:rPr lang="en-GB" sz="1600" dirty="0" err="1">
-                <a:solidFill>
-                  <a:schemeClr val="bg1"/>
-                </a:solidFill>
-              </a:rPr>
-              <a:t>Canedo</a:t>
-            </a:r>
-            <a:r>
-              <a:rPr lang="en-GB" sz="1600" dirty="0">
-                <a:solidFill>
-                  <a:schemeClr val="bg1"/>
-                </a:solidFill>
-              </a:rPr>
-              <a:t> </a:t>
-            </a:r>
-            <a:r>
-              <a:rPr lang="en-GB" sz="1600" dirty="0" err="1">
-                <a:solidFill>
-                  <a:schemeClr val="bg1"/>
-                </a:solidFill>
-              </a:rPr>
-              <a:t>ra</a:t>
-            </a:r>
-            <a:r>
-              <a:rPr lang="en-GB" sz="1600" dirty="0">
-                <a:solidFill>
-                  <a:schemeClr val="bg1"/>
-                </a:solidFill>
-              </a:rPr>
-              <a:t> </a:t>
+              <a:t>Fabíola Canedo  </a:t>
             </a:r>
             <a:r>
               <a:rPr lang="pt-BR" sz="1600" dirty="0">
@@ -3823,23 +3779,7 @@
                   <a:schemeClr val="bg1"/>
                 </a:solidFill>
               </a:rPr>
-              <a:t>Yuri </a:t>
-            </a:r>
-            <a:r>
-              <a:rPr lang="en-GB" sz="1600" dirty="0" err="1">
-                <a:solidFill>
-                  <a:schemeClr val="bg1"/>
-                </a:solidFill>
-              </a:rPr>
-              <a:t>Uliam</a:t>
-            </a:r>
-            <a:r>
-              <a:rPr lang="en-GB" sz="1600" dirty="0">
-                <a:solidFill>
-                  <a:schemeClr val="bg1"/>
-                </a:solidFill>
-              </a:rPr>
-              <a:t> RA </a:t>
+              <a:t>Yuri Uliam RA </a:t>
             </a:r>
             <a:r>
               <a:rPr lang="pt-BR" sz="1600" dirty="0">
@@ -3866,6 +3806,490 @@
 </file>
 
 <file path=ppt/slides/slide10.xml><?xml version="1.0" encoding="utf-8"?>
+<p:sld xmlns:a="http://schemas.openxmlformats.org/drawingml/2006/main" xmlns:r="http://schemas.openxmlformats.org/officeDocument/2006/relationships" xmlns:p="http://schemas.openxmlformats.org/presentationml/2006/main">
+  <p:cSld>
+    <p:bg>
+      <p:bgPr>
+        <a:solidFill>
+          <a:schemeClr val="bg1"/>
+        </a:solidFill>
+        <a:effectLst/>
+      </p:bgPr>
+    </p:bg>
+    <p:spTree>
+      <p:nvGrpSpPr>
+        <p:cNvPr id="1" name=""/>
+        <p:cNvGrpSpPr/>
+        <p:nvPr/>
+      </p:nvGrpSpPr>
+      <p:grpSpPr>
+        <a:xfrm>
+          <a:off x="0" y="0"/>
+          <a:ext cx="0" cy="0"/>
+          <a:chOff x="0" y="0"/>
+          <a:chExt cx="0" cy="0"/>
+        </a:xfrm>
+      </p:grpSpPr>
+      <p:sp>
+        <p:nvSpPr>
+          <p:cNvPr id="10" name="Rectangle 9">
+            <a:extLst>
+              <a:ext uri="{FF2B5EF4-FFF2-40B4-BE49-F238E27FC236}">
+                <a16:creationId xmlns:a16="http://schemas.microsoft.com/office/drawing/2014/main" id="{AB45A142-4255-493C-8284-5D566C121B10}"/>
+              </a:ext>
+              <a:ext uri="{C183D7F6-B498-43B3-948B-1728B52AA6E4}">
+                <adec:decorative xmlns:adec="http://schemas.microsoft.com/office/drawing/2017/decorative" val="1"/>
+              </a:ext>
+            </a:extLst>
+          </p:cNvPr>
+          <p:cNvSpPr>
+            <a:spLocks noGrp="1" noRot="1" noChangeAspect="1" noMove="1" noResize="1" noEditPoints="1" noAdjustHandles="1" noChangeArrowheads="1" noChangeShapeType="1" noTextEdit="1"/>
+          </p:cNvSpPr>
+          <p:nvPr>
+            <p:extLst>
+              <p:ext uri="{386F3935-93C4-4BCD-93E2-E3B085C9AB24}">
+                <p16:designElem xmlns:p16="http://schemas.microsoft.com/office/powerpoint/2015/main" val="1"/>
+              </p:ext>
+            </p:extLst>
+          </p:nvPr>
+        </p:nvSpPr>
+        <p:spPr bwMode="ltGray">
+          <a:xfrm>
+            <a:off x="336884" y="321177"/>
+            <a:ext cx="4332307" cy="6179552"/>
+          </a:xfrm>
+          <a:prstGeom prst="rect">
+            <a:avLst/>
+          </a:prstGeom>
+          <a:solidFill>
+            <a:srgbClr val="404040">
+              <a:alpha val="89804"/>
+            </a:srgbClr>
+          </a:solidFill>
+          <a:ln w="127000" cap="sq" cmpd="thinThick">
+            <a:solidFill>
+              <a:srgbClr val="595959">
+                <a:alpha val="80000"/>
+              </a:srgbClr>
+            </a:solidFill>
+          </a:ln>
+        </p:spPr>
+        <p:style>
+          <a:lnRef idx="2">
+            <a:schemeClr val="accent1">
+              <a:shade val="50000"/>
+            </a:schemeClr>
+          </a:lnRef>
+          <a:fillRef idx="1">
+            <a:schemeClr val="accent1"/>
+          </a:fillRef>
+          <a:effectRef idx="0">
+            <a:schemeClr val="accent1"/>
+          </a:effectRef>
+          <a:fontRef idx="minor">
+            <a:schemeClr val="lt1"/>
+          </a:fontRef>
+        </p:style>
+        <p:txBody>
+          <a:bodyPr rtlCol="0" anchor="ctr"/>
+          <a:lstStyle/>
+          <a:p>
+            <a:pPr algn="ctr"/>
+            <a:endParaRPr lang="en-US"/>
+          </a:p>
+        </p:txBody>
+      </p:sp>
+      <p:sp>
+        <p:nvSpPr>
+          <p:cNvPr id="2" name="Título 1">
+            <a:extLst>
+              <a:ext uri="{FF2B5EF4-FFF2-40B4-BE49-F238E27FC236}">
+                <a16:creationId xmlns:a16="http://schemas.microsoft.com/office/drawing/2014/main" id="{2165D708-6BA1-4ACF-9B53-CFE4A200E73E}"/>
+              </a:ext>
+            </a:extLst>
+          </p:cNvPr>
+          <p:cNvSpPr>
+            <a:spLocks noGrp="1"/>
+          </p:cNvSpPr>
+          <p:nvPr>
+            <p:ph type="title"/>
+          </p:nvPr>
+        </p:nvSpPr>
+        <p:spPr>
+          <a:xfrm>
+            <a:off x="674237" y="914400"/>
+            <a:ext cx="3657600" cy="2887579"/>
+          </a:xfrm>
+        </p:spPr>
+        <p:txBody>
+          <a:bodyPr vert="horz" lIns="91440" tIns="45720" rIns="91440" bIns="45720" rtlCol="0" anchor="b">
+            <a:normAutofit/>
+          </a:bodyPr>
+          <a:lstStyle/>
+          <a:p>
+            <a:pPr algn="ctr"/>
+            <a:r>
+              <a:rPr lang="en-US" sz="4800" kern="1200" dirty="0" err="1">
+                <a:solidFill>
+                  <a:srgbClr val="FFFFFF"/>
+                </a:solidFill>
+                <a:latin typeface="+mj-lt"/>
+                <a:ea typeface="+mj-ea"/>
+                <a:cs typeface="+mj-cs"/>
+              </a:rPr>
+              <a:t>Tela</a:t>
+            </a:r>
+            <a:r>
+              <a:rPr lang="en-US" sz="4800" kern="1200" dirty="0">
+                <a:solidFill>
+                  <a:srgbClr val="FFFFFF"/>
+                </a:solidFill>
+                <a:latin typeface="+mj-lt"/>
+                <a:ea typeface="+mj-ea"/>
+                <a:cs typeface="+mj-cs"/>
+              </a:rPr>
+              <a:t> de </a:t>
+            </a:r>
+            <a:r>
+              <a:rPr lang="en-US" sz="4800" kern="1200" dirty="0" err="1">
+                <a:solidFill>
+                  <a:srgbClr val="FFFFFF"/>
+                </a:solidFill>
+                <a:latin typeface="+mj-lt"/>
+                <a:ea typeface="+mj-ea"/>
+                <a:cs typeface="+mj-cs"/>
+              </a:rPr>
+              <a:t>cadastro</a:t>
+            </a:r>
+            <a:endParaRPr lang="en-US" sz="4800" kern="1200" dirty="0">
+              <a:solidFill>
+                <a:srgbClr val="FFFFFF"/>
+              </a:solidFill>
+              <a:latin typeface="+mj-lt"/>
+              <a:ea typeface="+mj-ea"/>
+              <a:cs typeface="+mj-cs"/>
+            </a:endParaRPr>
+          </a:p>
+        </p:txBody>
+      </p:sp>
+      <p:cxnSp>
+        <p:nvCxnSpPr>
+          <p:cNvPr id="12" name="Straight Connector 11">
+            <a:extLst>
+              <a:ext uri="{FF2B5EF4-FFF2-40B4-BE49-F238E27FC236}">
+                <a16:creationId xmlns:a16="http://schemas.microsoft.com/office/drawing/2014/main" id="{38FB9660-F42F-4313-BBC4-47C007FE484C}"/>
+              </a:ext>
+              <a:ext uri="{C183D7F6-B498-43B3-948B-1728B52AA6E4}">
+                <adec:decorative xmlns:adec="http://schemas.microsoft.com/office/drawing/2017/decorative" val="1"/>
+              </a:ext>
+            </a:extLst>
+          </p:cNvPr>
+          <p:cNvCxnSpPr>
+            <a:cxnSpLocks noGrp="1" noRot="1" noChangeAspect="1" noMove="1" noResize="1" noEditPoints="1" noAdjustHandles="1" noChangeArrowheads="1" noChangeShapeType="1"/>
+          </p:cNvCxnSpPr>
+          <p:nvPr>
+            <p:extLst>
+              <p:ext uri="{386F3935-93C4-4BCD-93E2-E3B085C9AB24}">
+                <p16:designElem xmlns:p16="http://schemas.microsoft.com/office/powerpoint/2015/main" val="1"/>
+              </p:ext>
+            </p:extLst>
+          </p:nvPr>
+        </p:nvCxnSpPr>
+        <p:spPr>
+          <a:xfrm>
+            <a:off x="1191126" y="3910267"/>
+            <a:ext cx="2586790" cy="0"/>
+          </a:xfrm>
+          <a:prstGeom prst="line">
+            <a:avLst/>
+          </a:prstGeom>
+          <a:ln w="22225">
+            <a:solidFill>
+              <a:srgbClr val="D9D9D9"/>
+            </a:solidFill>
+          </a:ln>
+        </p:spPr>
+        <p:style>
+          <a:lnRef idx="1">
+            <a:schemeClr val="accent1"/>
+          </a:lnRef>
+          <a:fillRef idx="0">
+            <a:schemeClr val="accent1"/>
+          </a:fillRef>
+          <a:effectRef idx="0">
+            <a:schemeClr val="accent1"/>
+          </a:effectRef>
+          <a:fontRef idx="minor">
+            <a:schemeClr val="tx1"/>
+          </a:fontRef>
+        </p:style>
+      </p:cxnSp>
+      <p:pic>
+        <p:nvPicPr>
+          <p:cNvPr id="5" name="Espaço Reservado para Conteúdo 4" descr="Uma imagem contendo texto, mapa&#10;&#10;Descrição gerada automaticamente">
+            <a:extLst>
+              <a:ext uri="{FF2B5EF4-FFF2-40B4-BE49-F238E27FC236}">
+                <a16:creationId xmlns:a16="http://schemas.microsoft.com/office/drawing/2014/main" id="{3DD014B1-A611-4D6B-B60A-36C163B7EB75}"/>
+              </a:ext>
+            </a:extLst>
+          </p:cNvPr>
+          <p:cNvPicPr>
+            <a:picLocks noGrp="1" noChangeAspect="1"/>
+          </p:cNvPicPr>
+          <p:nvPr>
+            <p:ph idx="1"/>
+          </p:nvPr>
+        </p:nvPicPr>
+        <p:blipFill>
+          <a:blip r:embed="rId2">
+            <a:extLst>
+              <a:ext uri="{28A0092B-C50C-407E-A947-70E740481C1C}">
+                <a14:useLocalDpi xmlns:a14="http://schemas.microsoft.com/office/drawing/2010/main" val="0"/>
+              </a:ext>
+            </a:extLst>
+          </a:blip>
+          <a:stretch>
+            <a:fillRect/>
+          </a:stretch>
+        </p:blipFill>
+        <p:spPr>
+          <a:xfrm>
+            <a:off x="5294170" y="492573"/>
+            <a:ext cx="6272849" cy="5880796"/>
+          </a:xfrm>
+          <a:prstGeom prst="rect">
+            <a:avLst/>
+          </a:prstGeom>
+        </p:spPr>
+      </p:pic>
+    </p:spTree>
+    <p:extLst>
+      <p:ext uri="{BB962C8B-B14F-4D97-AF65-F5344CB8AC3E}">
+        <p14:creationId xmlns:p14="http://schemas.microsoft.com/office/powerpoint/2010/main" val="3492767469"/>
+      </p:ext>
+    </p:extLst>
+  </p:cSld>
+  <p:clrMapOvr>
+    <a:masterClrMapping/>
+  </p:clrMapOvr>
+</p:sld>
+</file>
+
+<file path=ppt/slides/slide11.xml><?xml version="1.0" encoding="utf-8"?>
+<p:sld xmlns:a="http://schemas.openxmlformats.org/drawingml/2006/main" xmlns:r="http://schemas.openxmlformats.org/officeDocument/2006/relationships" xmlns:p="http://schemas.openxmlformats.org/presentationml/2006/main">
+  <p:cSld>
+    <p:bg>
+      <p:bgPr>
+        <a:solidFill>
+          <a:schemeClr val="bg1"/>
+        </a:solidFill>
+        <a:effectLst/>
+      </p:bgPr>
+    </p:bg>
+    <p:spTree>
+      <p:nvGrpSpPr>
+        <p:cNvPr id="1" name=""/>
+        <p:cNvGrpSpPr/>
+        <p:nvPr/>
+      </p:nvGrpSpPr>
+      <p:grpSpPr>
+        <a:xfrm>
+          <a:off x="0" y="0"/>
+          <a:ext cx="0" cy="0"/>
+          <a:chOff x="0" y="0"/>
+          <a:chExt cx="0" cy="0"/>
+        </a:xfrm>
+      </p:grpSpPr>
+      <p:sp>
+        <p:nvSpPr>
+          <p:cNvPr id="10" name="Rectangle 9">
+            <a:extLst>
+              <a:ext uri="{FF2B5EF4-FFF2-40B4-BE49-F238E27FC236}">
+                <a16:creationId xmlns:a16="http://schemas.microsoft.com/office/drawing/2014/main" id="{1707FC24-6981-43D9-B525-C7832BA22463}"/>
+              </a:ext>
+              <a:ext uri="{C183D7F6-B498-43B3-948B-1728B52AA6E4}">
+                <adec:decorative xmlns:adec="http://schemas.microsoft.com/office/drawing/2017/decorative" val="1"/>
+              </a:ext>
+            </a:extLst>
+          </p:cNvPr>
+          <p:cNvSpPr>
+            <a:spLocks noGrp="1" noRot="1" noChangeAspect="1" noMove="1" noResize="1" noEditPoints="1" noAdjustHandles="1" noChangeArrowheads="1" noChangeShapeType="1" noTextEdit="1"/>
+          </p:cNvSpPr>
+          <p:nvPr>
+            <p:extLst>
+              <p:ext uri="{386F3935-93C4-4BCD-93E2-E3B085C9AB24}">
+                <p16:designElem xmlns:p16="http://schemas.microsoft.com/office/powerpoint/2015/main" val="1"/>
+              </p:ext>
+            </p:extLst>
+          </p:nvPr>
+        </p:nvSpPr>
+        <p:spPr bwMode="ltGray">
+          <a:xfrm>
+            <a:off x="336884" y="311449"/>
+            <a:ext cx="4332307" cy="6179552"/>
+          </a:xfrm>
+          <a:prstGeom prst="rect">
+            <a:avLst/>
+          </a:prstGeom>
+          <a:solidFill>
+            <a:srgbClr val="404040"/>
+          </a:solidFill>
+          <a:ln w="127000" cap="sq" cmpd="thinThick">
+            <a:solidFill>
+              <a:srgbClr val="404040"/>
+            </a:solidFill>
+          </a:ln>
+        </p:spPr>
+        <p:style>
+          <a:lnRef idx="2">
+            <a:schemeClr val="accent1">
+              <a:shade val="50000"/>
+            </a:schemeClr>
+          </a:lnRef>
+          <a:fillRef idx="1">
+            <a:schemeClr val="accent1"/>
+          </a:fillRef>
+          <a:effectRef idx="0">
+            <a:schemeClr val="accent1"/>
+          </a:effectRef>
+          <a:fontRef idx="minor">
+            <a:schemeClr val="lt1"/>
+          </a:fontRef>
+        </p:style>
+        <p:txBody>
+          <a:bodyPr rtlCol="0" anchor="ctr"/>
+          <a:lstStyle/>
+          <a:p>
+            <a:pPr algn="ctr"/>
+            <a:endParaRPr lang="en-US"/>
+          </a:p>
+        </p:txBody>
+      </p:sp>
+      <p:sp>
+        <p:nvSpPr>
+          <p:cNvPr id="2" name="Título 1">
+            <a:extLst>
+              <a:ext uri="{FF2B5EF4-FFF2-40B4-BE49-F238E27FC236}">
+                <a16:creationId xmlns:a16="http://schemas.microsoft.com/office/drawing/2014/main" id="{052CB471-4E6A-4862-BD14-78D13A0FF9BF}"/>
+              </a:ext>
+            </a:extLst>
+          </p:cNvPr>
+          <p:cNvSpPr>
+            <a:spLocks noGrp="1"/>
+          </p:cNvSpPr>
+          <p:nvPr>
+            <p:ph type="title"/>
+          </p:nvPr>
+        </p:nvSpPr>
+        <p:spPr>
+          <a:xfrm>
+            <a:off x="742950" y="742951"/>
+            <a:ext cx="3476625" cy="4962524"/>
+          </a:xfrm>
+        </p:spPr>
+        <p:txBody>
+          <a:bodyPr vert="horz" lIns="91440" tIns="45720" rIns="91440" bIns="45720" rtlCol="0" anchor="ctr">
+            <a:normAutofit/>
+          </a:bodyPr>
+          <a:lstStyle/>
+          <a:p>
+            <a:pPr algn="ctr"/>
+            <a:r>
+              <a:rPr lang="en-US" sz="4800" kern="1200" dirty="0" err="1">
+                <a:solidFill>
+                  <a:srgbClr val="FFFFFF"/>
+                </a:solidFill>
+                <a:latin typeface="+mj-lt"/>
+                <a:ea typeface="+mj-ea"/>
+                <a:cs typeface="+mj-cs"/>
+              </a:rPr>
+              <a:t>Perfil</a:t>
+            </a:r>
+            <a:r>
+              <a:rPr lang="en-US" sz="4800" kern="1200" dirty="0">
+                <a:solidFill>
+                  <a:srgbClr val="FFFFFF"/>
+                </a:solidFill>
+                <a:latin typeface="+mj-lt"/>
+                <a:ea typeface="+mj-ea"/>
+                <a:cs typeface="+mj-cs"/>
+              </a:rPr>
+              <a:t> de </a:t>
+            </a:r>
+            <a:r>
+              <a:rPr lang="en-US" sz="4800" kern="1200">
+                <a:solidFill>
+                  <a:srgbClr val="FFFFFF"/>
+                </a:solidFill>
+                <a:latin typeface="+mj-lt"/>
+                <a:ea typeface="+mj-ea"/>
+                <a:cs typeface="+mj-cs"/>
+              </a:rPr>
+              <a:t>usuário</a:t>
+            </a:r>
+            <a:endParaRPr lang="en-US" sz="4800" kern="1200" dirty="0">
+              <a:solidFill>
+                <a:srgbClr val="FFFFFF"/>
+              </a:solidFill>
+              <a:latin typeface="+mj-lt"/>
+              <a:ea typeface="+mj-ea"/>
+              <a:cs typeface="+mj-cs"/>
+            </a:endParaRPr>
+          </a:p>
+        </p:txBody>
+      </p:sp>
+      <p:pic>
+        <p:nvPicPr>
+          <p:cNvPr id="5" name="Espaço Reservado para Conteúdo 4" descr="Mapa colorido com texto preto sobre fundo branco&#10;&#10;Descrição gerada automaticamente">
+            <a:extLst>
+              <a:ext uri="{FF2B5EF4-FFF2-40B4-BE49-F238E27FC236}">
+                <a16:creationId xmlns:a16="http://schemas.microsoft.com/office/drawing/2014/main" id="{F46F2186-8C2E-4F3C-A0D5-5B3E7B32FE3C}"/>
+              </a:ext>
+            </a:extLst>
+          </p:cNvPr>
+          <p:cNvPicPr>
+            <a:picLocks noGrp="1" noChangeAspect="1"/>
+          </p:cNvPicPr>
+          <p:nvPr>
+            <p:ph idx="1"/>
+          </p:nvPr>
+        </p:nvPicPr>
+        <p:blipFill>
+          <a:blip r:embed="rId2">
+            <a:extLst>
+              <a:ext uri="{28A0092B-C50C-407E-A947-70E740481C1C}">
+                <a14:useLocalDpi xmlns:a14="http://schemas.microsoft.com/office/drawing/2010/main" val="0"/>
+              </a:ext>
+            </a:extLst>
+          </a:blip>
+          <a:stretch>
+            <a:fillRect/>
+          </a:stretch>
+        </p:blipFill>
+        <p:spPr>
+          <a:xfrm>
+            <a:off x="5153822" y="754209"/>
+            <a:ext cx="6553545" cy="5357523"/>
+          </a:xfrm>
+          <a:prstGeom prst="rect">
+            <a:avLst/>
+          </a:prstGeom>
+        </p:spPr>
+      </p:pic>
+    </p:spTree>
+    <p:extLst>
+      <p:ext uri="{BB962C8B-B14F-4D97-AF65-F5344CB8AC3E}">
+        <p14:creationId xmlns:p14="http://schemas.microsoft.com/office/powerpoint/2010/main" val="1246626609"/>
+      </p:ext>
+    </p:extLst>
+  </p:cSld>
+  <p:clrMapOvr>
+    <a:masterClrMapping/>
+  </p:clrMapOvr>
+</p:sld>
+</file>
+
+<file path=ppt/slides/slide12.xml><?xml version="1.0" encoding="utf-8"?>
 <p:sld xmlns:a="http://schemas.openxmlformats.org/drawingml/2006/main" xmlns:r="http://schemas.openxmlformats.org/officeDocument/2006/relationships" xmlns:p="http://schemas.openxmlformats.org/presentationml/2006/main">
   <p:cSld>
     <p:bg>
@@ -4143,7 +4567,7 @@
 </p:sld>
 </file>
 
-<file path=ppt/slides/slide2.xml><?xml version="1.0" encoding="utf-8"?>
+<file path=ppt/slides/slide13.xml><?xml version="1.0" encoding="utf-8"?>
 <p:sld xmlns:a="http://schemas.openxmlformats.org/drawingml/2006/main" xmlns:r="http://schemas.openxmlformats.org/officeDocument/2006/relationships" xmlns:p="http://schemas.openxmlformats.org/presentationml/2006/main">
   <p:cSld>
     <p:bg>
@@ -4173,7 +4597,7 @@
       </p:grpSpPr>
       <p:sp>
         <p:nvSpPr>
-          <p:cNvPr id="8" name="Freeform: Shape 7">
+          <p:cNvPr id="7" name="Freeform: Shape 6">
             <a:extLst>
               <a:ext uri="{FF2B5EF4-FFF2-40B4-BE49-F238E27FC236}">
                 <a16:creationId xmlns:a16="http://schemas.microsoft.com/office/drawing/2014/main" id="{66B332A4-D438-4773-A77F-5ED49A448D9D}"/>
@@ -4339,7 +4763,7 @@
       </p:sp>
       <p:sp>
         <p:nvSpPr>
-          <p:cNvPr id="10" name="Freeform: Shape 9">
+          <p:cNvPr id="9" name="Freeform: Shape 8">
             <a:extLst>
               <a:ext uri="{FF2B5EF4-FFF2-40B4-BE49-F238E27FC236}">
                 <a16:creationId xmlns:a16="http://schemas.microsoft.com/office/drawing/2014/main" id="{DF9AD32D-FF05-44F4-BD4D-9CEE89B71EB9}"/>
@@ -4531,26 +4955,65 @@
           <a:p>
             <a:pPr algn="ctr"/>
             <a:r>
-              <a:rPr lang="en-US" sz="5400" kern="1200">
+              <a:rPr lang="en-US" sz="5400" dirty="0">
                 <a:solidFill>
                   <a:schemeClr val="bg1">
                     <a:lumMod val="95000"/>
                     <a:lumOff val="5000"/>
                   </a:schemeClr>
                 </a:solidFill>
-                <a:latin typeface="+mj-lt"/>
-                <a:ea typeface="+mj-ea"/>
-                <a:cs typeface="+mj-cs"/>
               </a:rPr>
-              <a:t>Bpmn</a:t>
-            </a:r>
+              <a:t>Monitoramento </a:t>
+            </a:r>
+            <a:br>
+              <a:rPr lang="en-US" sz="5400" dirty="0">
+                <a:solidFill>
+                  <a:schemeClr val="bg1">
+                    <a:lumMod val="95000"/>
+                    <a:lumOff val="5000"/>
+                  </a:schemeClr>
+                </a:solidFill>
+              </a:rPr>
+            </a:br>
+            <a:r>
+              <a:rPr lang="en-US" sz="5400" dirty="0">
+                <a:solidFill>
+                  <a:schemeClr val="bg1">
+                    <a:lumMod val="95000"/>
+                    <a:lumOff val="5000"/>
+                  </a:schemeClr>
+                </a:solidFill>
+              </a:rPr>
+              <a:t>de Incidentes - Chamados</a:t>
+            </a:r>
+            <a:br>
+              <a:rPr lang="en-US" sz="5400" dirty="0">
+                <a:solidFill>
+                  <a:schemeClr val="bg1">
+                    <a:lumMod val="95000"/>
+                    <a:lumOff val="5000"/>
+                  </a:schemeClr>
+                </a:solidFill>
+              </a:rPr>
+            </a:br>
+            <a:endParaRPr lang="en-US" sz="5400" kern="1200" dirty="0">
+              <a:solidFill>
+                <a:schemeClr val="bg1">
+                  <a:lumMod val="95000"/>
+                  <a:lumOff val="5000"/>
+                </a:schemeClr>
+              </a:solidFill>
+              <a:latin typeface="+mj-lt"/>
+              <a:ea typeface="+mj-ea"/>
+              <a:cs typeface="+mj-cs"/>
+            </a:endParaRPr>
           </a:p>
         </p:txBody>
       </p:sp>
     </p:spTree>
     <p:extLst>
       <p:ext uri="{BB962C8B-B14F-4D97-AF65-F5344CB8AC3E}">
-        <p14:creationId xmlns:p14="http://schemas.microsoft.com/office/powerpoint/2010/main" val="2932020123"/>
+        <p14:creationId xmlns:p14="http://schemas.microsoft.com/office/powerpoint/2010/main" val="1090229200"/>
       </p:ext>
     </p:extLst>
   </p:cSld>
@@ -4560,217 +5023,7 @@
 </p:sld>
 </file>
 
-<file path=ppt/slides/slide3.xml><?xml version="1.0" encoding="utf-8"?>
-<p:sld xmlns:a="http://schemas.openxmlformats.org/drawingml/2006/main" xmlns:r="http://schemas.openxmlformats.org/officeDocument/2006/relationships" xmlns:p="http://schemas.openxmlformats.org/presentationml/2006/main">
-  <p:cSld>
-    <p:bg>
-      <p:bgPr>
-        <a:solidFill>
-          <a:schemeClr val="tx1"/>
-        </a:solidFill>
-        <a:effectLst/>
-      </p:bgPr>
-    </p:bg>
-    <p:spTree>
-      <p:nvGrpSpPr>
-        <p:cNvPr id="1" name=""/>
-        <p:cNvGrpSpPr/>
-        <p:nvPr/>
-      </p:nvGrpSpPr>
-      <p:grpSpPr>
-        <a:xfrm>
-          <a:off x="0" y="0"/>
-          <a:ext cx="0" cy="0"/>
-          <a:chOff x="0" y="0"/>
-          <a:chExt cx="0" cy="0"/>
-        </a:xfrm>
-      </p:grpSpPr>
-      <p:sp>
-        <p:nvSpPr>
-          <p:cNvPr id="34" name="Rectangle 29">
-            <a:extLst>
-              <a:ext uri="{FF2B5EF4-FFF2-40B4-BE49-F238E27FC236}">
-                <a16:creationId xmlns:a16="http://schemas.microsoft.com/office/drawing/2014/main" id="{867D4867-5BA7-4462-B2F6-A23F4A622AA7}"/>
-              </a:ext>
-              <a:ext uri="{C183D7F6-B498-43B3-948B-1728B52AA6E4}">
-                <adec:decorative xmlns:adec="http://schemas.microsoft.com/office/drawing/2017/decorative" val="1"/>
-              </a:ext>
-            </a:extLst>
-          </p:cNvPr>
-          <p:cNvSpPr>
-            <a:spLocks noGrp="1" noRot="1" noChangeAspect="1" noMove="1" noResize="1" noEditPoints="1" noAdjustHandles="1" noChangeArrowheads="1" noChangeShapeType="1" noTextEdit="1"/>
-          </p:cNvSpPr>
-          <p:nvPr>
-            <p:extLst>
-              <p:ext uri="{386F3935-93C4-4BCD-93E2-E3B085C9AB24}">
-                <p16:designElem xmlns:p16="http://schemas.microsoft.com/office/powerpoint/2015/main" val="1"/>
-              </p:ext>
-            </p:extLst>
-          </p:nvPr>
-        </p:nvSpPr>
-        <p:spPr>
-          <a:xfrm>
-            <a:off x="0" y="0"/>
-            <a:ext cx="4654296" cy="6858000"/>
-          </a:xfrm>
-          <a:prstGeom prst="rect">
-            <a:avLst/>
-          </a:prstGeom>
-          <a:solidFill>
-            <a:srgbClr val="3F3F3F"/>
-          </a:solidFill>
-          <a:ln>
-            <a:noFill/>
-          </a:ln>
-        </p:spPr>
-        <p:style>
-          <a:lnRef idx="0">
-            <a:scrgbClr r="0" g="0" b="0"/>
-          </a:lnRef>
-          <a:fillRef idx="0">
-            <a:scrgbClr r="0" g="0" b="0"/>
-          </a:fillRef>
-          <a:effectRef idx="0">
-            <a:scrgbClr r="0" g="0" b="0"/>
-          </a:effectRef>
-          <a:fontRef idx="minor">
-            <a:schemeClr val="lt1"/>
-          </a:fontRef>
-        </p:style>
-        <p:txBody>
-          <a:bodyPr rtlCol="0" anchor="ctr"/>
-          <a:lstStyle/>
-          <a:p>
-            <a:pPr algn="ctr"/>
-            <a:endParaRPr lang="en-US" dirty="0"/>
-          </a:p>
-        </p:txBody>
-      </p:sp>
-      <p:sp>
-        <p:nvSpPr>
-          <p:cNvPr id="24" name="Título 1">
-            <a:extLst>
-              <a:ext uri="{FF2B5EF4-FFF2-40B4-BE49-F238E27FC236}">
-                <a16:creationId xmlns:a16="http://schemas.microsoft.com/office/drawing/2014/main" id="{8D051D8B-FE2E-416E-B399-CC56D5464B81}"/>
-              </a:ext>
-            </a:extLst>
-          </p:cNvPr>
-          <p:cNvSpPr>
-            <a:spLocks noGrp="1"/>
-          </p:cNvSpPr>
-          <p:nvPr>
-            <p:ph type="title"/>
-          </p:nvPr>
-        </p:nvSpPr>
-        <p:spPr>
-          <a:xfrm>
-            <a:off x="643468" y="623392"/>
-            <a:ext cx="3363974" cy="1607060"/>
-          </a:xfrm>
-          <a:noFill/>
-          <a:ln w="19050">
-            <a:solidFill>
-              <a:schemeClr val="tx1"/>
-            </a:solidFill>
-          </a:ln>
-        </p:spPr>
-        <p:txBody>
-          <a:bodyPr wrap="square" anchor="ctr">
-            <a:normAutofit/>
-          </a:bodyPr>
-          <a:lstStyle/>
-          <a:p>
-            <a:pPr algn="ctr"/>
-            <a:r>
-              <a:rPr lang="en-GB" sz="2800"/>
-              <a:t>Dashboard</a:t>
-            </a:r>
-            <a:endParaRPr lang="pt-BR" sz="2800" dirty="0"/>
-          </a:p>
-        </p:txBody>
-      </p:sp>
-      <p:sp>
-        <p:nvSpPr>
-          <p:cNvPr id="25" name="Content Placeholder 8">
-            <a:extLst>
-              <a:ext uri="{FF2B5EF4-FFF2-40B4-BE49-F238E27FC236}">
-                <a16:creationId xmlns:a16="http://schemas.microsoft.com/office/drawing/2014/main" id="{A6D0F3EC-C565-43E6-A7E0-CA3B3C3BB314}"/>
-              </a:ext>
-            </a:extLst>
-          </p:cNvPr>
-          <p:cNvSpPr>
-            <a:spLocks noGrp="1"/>
-          </p:cNvSpPr>
-          <p:nvPr>
-            <p:ph idx="1"/>
-          </p:nvPr>
-        </p:nvSpPr>
-        <p:spPr>
-          <a:xfrm>
-            <a:off x="643468" y="2638043"/>
-            <a:ext cx="3363974" cy="3415623"/>
-          </a:xfrm>
-        </p:spPr>
-        <p:txBody>
-          <a:bodyPr>
-            <a:normAutofit/>
-          </a:bodyPr>
-          <a:lstStyle/>
-          <a:p>
-            <a:endParaRPr lang="en-US" sz="2000"/>
-          </a:p>
-        </p:txBody>
-      </p:sp>
-      <p:pic>
-        <p:nvPicPr>
-          <p:cNvPr id="5" name="Espaço Reservado para Conteúdo 4" descr="Uma imagem contendo medidor, estacionamento, duplo, relógio&#10;&#10;Descrição gerada automaticamente">
-            <a:extLst>
-              <a:ext uri="{FF2B5EF4-FFF2-40B4-BE49-F238E27FC236}">
-                <a16:creationId xmlns:a16="http://schemas.microsoft.com/office/drawing/2014/main" id="{A7B00F3C-346A-499A-9152-1EE09B1240BE}"/>
-              </a:ext>
-            </a:extLst>
-          </p:cNvPr>
-          <p:cNvPicPr>
-            <a:picLocks noChangeAspect="1"/>
-          </p:cNvPicPr>
-          <p:nvPr/>
-        </p:nvPicPr>
-        <p:blipFill>
-          <a:blip r:embed="rId2">
-            <a:extLst>
-              <a:ext uri="{28A0092B-C50C-407E-A947-70E740481C1C}">
-                <a14:useLocalDpi xmlns:a14="http://schemas.microsoft.com/office/drawing/2010/main" val="0"/>
-              </a:ext>
-            </a:extLst>
-          </a:blip>
-          <a:stretch>
-            <a:fillRect/>
-          </a:stretch>
-        </p:blipFill>
-        <p:spPr>
-          <a:xfrm>
-            <a:off x="5297765" y="67325"/>
-            <a:ext cx="6446560" cy="6768043"/>
-          </a:xfrm>
-          <a:prstGeom prst="rect">
-            <a:avLst/>
-          </a:prstGeom>
-        </p:spPr>
-      </p:pic>
-    </p:spTree>
-    <p:extLst>
-      <p:ext uri="{BB962C8B-B14F-4D97-AF65-F5344CB8AC3E}">
-        <p14:creationId xmlns:p14="http://schemas.microsoft.com/office/powerpoint/2010/main" val="348392430"/>
-      </p:ext>
-    </p:extLst>
-  </p:cSld>
-  <p:clrMapOvr>
-    <a:overrideClrMapping bg1="dk1" tx1="lt1" bg2="dk2" tx2="lt2" accent1="accent1" accent2="accent2" accent3="accent3" accent4="accent4" accent5="accent5" accent6="accent6" hlink="hlink" folHlink="folHlink"/>
-  </p:clrMapOvr>
-</p:sld>
-</file>
-
-<file path=ppt/slides/slide4.xml><?xml version="1.0" encoding="utf-8"?>
+<file path=ppt/slides/slide14.xml><?xml version="1.0" encoding="utf-8"?>
 <p:sld xmlns:a="http://schemas.openxmlformats.org/drawingml/2006/main" xmlns:r="http://schemas.openxmlformats.org/officeDocument/2006/relationships" xmlns:p="http://schemas.openxmlformats.org/presentationml/2006/main">
   <p:cSld>
     <p:bg>
@@ -4797,10 +5050,10 @@
       </p:grpSpPr>
       <p:sp>
         <p:nvSpPr>
-          <p:cNvPr id="17" name="Rectangle 16">
-            <a:extLst>
-              <a:ext uri="{FF2B5EF4-FFF2-40B4-BE49-F238E27FC236}">
-                <a16:creationId xmlns:a16="http://schemas.microsoft.com/office/drawing/2014/main" id="{823AC064-BC96-4F32-8AE1-B2FD38754823}"/>
+          <p:cNvPr id="10" name="Rectangle 9">
+            <a:extLst>
+              <a:ext uri="{FF2B5EF4-FFF2-40B4-BE49-F238E27FC236}">
+                <a16:creationId xmlns:a16="http://schemas.microsoft.com/office/drawing/2014/main" id="{AB45A142-4255-493C-8284-5D566C121B10}"/>
               </a:ext>
               <a:ext uri="{C183D7F6-B498-43B3-948B-1728B52AA6E4}">
                 <adec:decorative xmlns:adec="http://schemas.microsoft.com/office/drawing/2017/decorative" val="1"/>
@@ -4820,18 +5073,22 @@
         </p:nvSpPr>
         <p:spPr bwMode="ltGray">
           <a:xfrm>
-            <a:off x="378068" y="343486"/>
-            <a:ext cx="11438793" cy="1844256"/>
+            <a:off x="336884" y="321177"/>
+            <a:ext cx="4332307" cy="6179552"/>
           </a:xfrm>
           <a:prstGeom prst="rect">
             <a:avLst/>
           </a:prstGeom>
           <a:solidFill>
-            <a:srgbClr val="404040"/>
+            <a:srgbClr val="404040">
+              <a:alpha val="89804"/>
+            </a:srgbClr>
           </a:solidFill>
           <a:ln w="127000" cap="sq" cmpd="thinThick">
             <a:solidFill>
-              <a:srgbClr val="404040"/>
+              <a:srgbClr val="595959">
+                <a:alpha val="80000"/>
+              </a:srgbClr>
             </a:solidFill>
           </a:ln>
         </p:spPr>
@@ -4855,37 +5112,8 @@
           <a:bodyPr rtlCol="0" anchor="ctr"/>
           <a:lstStyle/>
           <a:p>
-            <a:pPr marL="0" marR="0" lvl="0" indent="0" algn="ctr" defTabSz="914400" rtl="0" eaLnBrk="1" fontAlgn="auto" latinLnBrk="0" hangingPunct="1">
-              <a:lnSpc>
-                <a:spcPct val="100000"/>
-              </a:lnSpc>
-              <a:spcBef>
-                <a:spcPts val="0"/>
-              </a:spcBef>
-              <a:spcAft>
-                <a:spcPts val="0"/>
-              </a:spcAft>
-              <a:buClrTx/>
-              <a:buSzTx/>
-              <a:buFontTx/>
-              <a:buNone/>
-              <a:tabLst/>
-              <a:defRPr/>
-            </a:pPr>
-            <a:endParaRPr kumimoji="0" lang="en-US" sz="1800" b="0" i="0" u="none" strike="noStrike" kern="1200" cap="none" spc="0" normalizeH="0" baseline="0" noProof="0">
-              <a:ln>
-                <a:noFill/>
-              </a:ln>
-              <a:solidFill>
-                <a:prstClr val="white"/>
-              </a:solidFill>
-              <a:effectLst/>
-              <a:uLnTx/>
-              <a:uFillTx/>
-              <a:latin typeface="Calibri" panose="020F0502020204030204"/>
-              <a:ea typeface="+mn-ea"/>
-              <a:cs typeface="+mn-cs"/>
-            </a:endParaRPr>
+            <a:pPr algn="ctr"/>
+            <a:endParaRPr lang="en-US"/>
           </a:p>
         </p:txBody>
       </p:sp>
@@ -4894,7 +5122,7 @@
           <p:cNvPr id="2" name="Título 1">
             <a:extLst>
               <a:ext uri="{FF2B5EF4-FFF2-40B4-BE49-F238E27FC236}">
-                <a16:creationId xmlns:a16="http://schemas.microsoft.com/office/drawing/2014/main" id="{5024CC49-F01B-4949-9792-9E588503BFC8}"/>
+                <a16:creationId xmlns:a16="http://schemas.microsoft.com/office/drawing/2014/main" id="{1F8C63B4-BAB1-44C9-A5AA-A860FF10676E}"/>
               </a:ext>
             </a:extLst>
           </p:cNvPr>
@@ -4907,8 +5135,8 @@
         </p:nvSpPr>
         <p:spPr>
           <a:xfrm>
-            <a:off x="526073" y="466578"/>
-            <a:ext cx="11139854" cy="930447"/>
+            <a:off x="674237" y="914400"/>
+            <a:ext cx="3657600" cy="2887579"/>
           </a:xfrm>
         </p:spPr>
         <p:txBody>
@@ -4919,7 +5147,15 @@
           <a:p>
             <a:pPr algn="ctr"/>
             <a:r>
-              <a:rPr lang="en-US" sz="5400" kern="1200">
+              <a:rPr lang="en-US" sz="4800" dirty="0">
+                <a:solidFill>
+                  <a:srgbClr val="FFFFFF"/>
+                </a:solidFill>
+              </a:rPr>
+              <a:t>Zendesk</a:t>
+            </a:r>
+            <a:br>
+              <a:rPr lang="en-US" sz="4800" kern="1200" dirty="0">
                 <a:solidFill>
                   <a:srgbClr val="FFFFFF"/>
                 </a:solidFill>
@@ -4927,17 +5163,24 @@
                 <a:ea typeface="+mj-ea"/>
                 <a:cs typeface="+mj-cs"/>
               </a:rPr>
-              <a:t>Solução</a:t>
-            </a:r>
+            </a:br>
+            <a:endParaRPr lang="en-US" sz="4800" kern="1200" dirty="0">
+              <a:solidFill>
+                <a:srgbClr val="FFFFFF"/>
+              </a:solidFill>
+              <a:latin typeface="+mj-lt"/>
+              <a:ea typeface="+mj-ea"/>
+              <a:cs typeface="+mj-cs"/>
+            </a:endParaRPr>
           </a:p>
         </p:txBody>
       </p:sp>
       <p:cxnSp>
         <p:nvCxnSpPr>
-          <p:cNvPr id="19" name="Straight Connector 18">
-            <a:extLst>
-              <a:ext uri="{FF2B5EF4-FFF2-40B4-BE49-F238E27FC236}">
-                <a16:creationId xmlns:a16="http://schemas.microsoft.com/office/drawing/2014/main" id="{7E7C77BC-7138-40B1-A15B-20F57A494629}"/>
+          <p:cNvPr id="12" name="Straight Connector 11">
+            <a:extLst>
+              <a:ext uri="{FF2B5EF4-FFF2-40B4-BE49-F238E27FC236}">
+                <a16:creationId xmlns:a16="http://schemas.microsoft.com/office/drawing/2014/main" id="{38FB9660-F42F-4313-BBC4-47C007FE484C}"/>
               </a:ext>
               <a:ext uri="{C183D7F6-B498-43B3-948B-1728B52AA6E4}">
                 <adec:decorative xmlns:adec="http://schemas.microsoft.com/office/drawing/2017/decorative" val="1"/>
@@ -4957,8 +5200,8 @@
         </p:nvCxnSpPr>
         <p:spPr>
           <a:xfrm>
-            <a:off x="2209800" y="1448631"/>
-            <a:ext cx="7772400" cy="0"/>
+            <a:off x="1191126" y="3910267"/>
+            <a:ext cx="2586790" cy="0"/>
           </a:xfrm>
           <a:prstGeom prst="line">
             <a:avLst/>
@@ -4986,46 +5229,113 @@
       </p:cxnSp>
       <p:pic>
         <p:nvPicPr>
-          <p:cNvPr id="5" name="Espaço Reservado para Conteúdo 4" descr="Tela de celular com texto preto sobre fundo branco&#10;&#10;Descrição gerada automaticamente">
-            <a:extLst>
-              <a:ext uri="{FF2B5EF4-FFF2-40B4-BE49-F238E27FC236}">
-                <a16:creationId xmlns:a16="http://schemas.microsoft.com/office/drawing/2014/main" id="{26B3D57A-C018-4D15-B2BC-04C331B6233A}"/>
+          <p:cNvPr id="8" name="Imagem 7">
+            <a:extLst>
+              <a:ext uri="{FF2B5EF4-FFF2-40B4-BE49-F238E27FC236}">
+                <a16:creationId xmlns:a16="http://schemas.microsoft.com/office/drawing/2014/main" id="{B3FF8DCD-10B1-4D3F-8967-95A1DFBDB9DC}"/>
               </a:ext>
             </a:extLst>
           </p:cNvPr>
           <p:cNvPicPr>
-            <a:picLocks noGrp="1" noChangeAspect="1"/>
+            <a:picLocks noChangeAspect="1"/>
           </p:cNvPicPr>
-          <p:nvPr>
-            <p:ph idx="1"/>
-          </p:nvPr>
+          <p:nvPr/>
         </p:nvPicPr>
         <p:blipFill>
-          <a:blip r:embed="rId2">
-            <a:extLst>
-              <a:ext uri="{28A0092B-C50C-407E-A947-70E740481C1C}">
-                <a14:useLocalDpi xmlns:a14="http://schemas.microsoft.com/office/drawing/2010/main" val="0"/>
-              </a:ext>
-            </a:extLst>
-          </a:blip>
+          <a:blip r:embed="rId2"/>
           <a:stretch>
             <a:fillRect/>
           </a:stretch>
         </p:blipFill>
         <p:spPr>
           <a:xfrm>
-            <a:off x="2876365" y="2248710"/>
-            <a:ext cx="7568399" cy="4427514"/>
+            <a:off x="4823424" y="73707"/>
+            <a:ext cx="5253448" cy="2618472"/>
           </a:xfrm>
           <a:prstGeom prst="rect">
             <a:avLst/>
           </a:prstGeom>
+          <a:ln w="3175">
+            <a:solidFill>
+              <a:schemeClr val="accent1"/>
+            </a:solidFill>
+          </a:ln>
+        </p:spPr>
+      </p:pic>
+      <p:pic>
+        <p:nvPicPr>
+          <p:cNvPr id="9" name="Imagem 8">
+            <a:extLst>
+              <a:ext uri="{FF2B5EF4-FFF2-40B4-BE49-F238E27FC236}">
+                <a16:creationId xmlns:a16="http://schemas.microsoft.com/office/drawing/2014/main" id="{AE353A23-2EA4-458C-BDB6-9E32994105C2}"/>
+              </a:ext>
+            </a:extLst>
+          </p:cNvPr>
+          <p:cNvPicPr>
+            <a:picLocks noChangeAspect="1"/>
+          </p:cNvPicPr>
+          <p:nvPr/>
+        </p:nvPicPr>
+        <p:blipFill>
+          <a:blip r:embed="rId3"/>
+          <a:stretch>
+            <a:fillRect/>
+          </a:stretch>
+        </p:blipFill>
+        <p:spPr>
+          <a:xfrm>
+            <a:off x="6096000" y="2772759"/>
+            <a:ext cx="6074096" cy="704874"/>
+          </a:xfrm>
+          <a:prstGeom prst="rect">
+            <a:avLst/>
+          </a:prstGeom>
+          <a:ln w="3175">
+            <a:solidFill>
+              <a:schemeClr val="accent1"/>
+            </a:solidFill>
+          </a:ln>
+        </p:spPr>
+      </p:pic>
+      <p:pic>
+        <p:nvPicPr>
+          <p:cNvPr id="11" name="Imagem 10">
+            <a:extLst>
+              <a:ext uri="{FF2B5EF4-FFF2-40B4-BE49-F238E27FC236}">
+                <a16:creationId xmlns:a16="http://schemas.microsoft.com/office/drawing/2014/main" id="{41DC5929-744B-47BA-9C9E-F6A482847521}"/>
+              </a:ext>
+            </a:extLst>
+          </p:cNvPr>
+          <p:cNvPicPr>
+            <a:picLocks noChangeAspect="1"/>
+          </p:cNvPicPr>
+          <p:nvPr/>
+        </p:nvPicPr>
+        <p:blipFill>
+          <a:blip r:embed="rId4"/>
+          <a:stretch>
+            <a:fillRect/>
+          </a:stretch>
+        </p:blipFill>
+        <p:spPr>
+          <a:xfrm>
+            <a:off x="4823424" y="3558213"/>
+            <a:ext cx="4750561" cy="3226080"/>
+          </a:xfrm>
+          <a:prstGeom prst="rect">
+            <a:avLst/>
+          </a:prstGeom>
+          <a:ln w="3175">
+            <a:solidFill>
+              <a:schemeClr val="accent1"/>
+            </a:solidFill>
+          </a:ln>
         </p:spPr>
       </p:pic>
     </p:spTree>
     <p:extLst>
       <p:ext uri="{BB962C8B-B14F-4D97-AF65-F5344CB8AC3E}">
-        <p14:creationId xmlns:p14="http://schemas.microsoft.com/office/powerpoint/2010/main" val="2808974632"/>
+        <p14:creationId xmlns:p14="http://schemas.microsoft.com/office/powerpoint/2010/main" val="1594869117"/>
       </p:ext>
     </p:extLst>
   </p:cSld>
@@ -5035,325 +5345,7 @@
 </p:sld>
 </file>
 
-<file path=ppt/slides/slide5.xml><?xml version="1.0" encoding="utf-8"?>
-<p:sld xmlns:a="http://schemas.openxmlformats.org/drawingml/2006/main" xmlns:r="http://schemas.openxmlformats.org/officeDocument/2006/relationships" xmlns:p="http://schemas.openxmlformats.org/presentationml/2006/main">
-  <p:cSld>
-    <p:bg>
-      <p:bgPr>
-        <a:solidFill>
-          <a:schemeClr val="bg1"/>
-        </a:solidFill>
-        <a:effectLst/>
-      </p:bgPr>
-    </p:bg>
-    <p:spTree>
-      <p:nvGrpSpPr>
-        <p:cNvPr id="1" name=""/>
-        <p:cNvGrpSpPr/>
-        <p:nvPr/>
-      </p:nvGrpSpPr>
-      <p:grpSpPr>
-        <a:xfrm>
-          <a:off x="0" y="0"/>
-          <a:ext cx="0" cy="0"/>
-          <a:chOff x="0" y="0"/>
-          <a:chExt cx="0" cy="0"/>
-        </a:xfrm>
-      </p:grpSpPr>
-      <p:sp>
-        <p:nvSpPr>
-          <p:cNvPr id="20" name="Rectangle 19">
-            <a:extLst>
-              <a:ext uri="{FF2B5EF4-FFF2-40B4-BE49-F238E27FC236}">
-                <a16:creationId xmlns:a16="http://schemas.microsoft.com/office/drawing/2014/main" id="{823AC064-BC96-4F32-8AE1-B2FD38754823}"/>
-              </a:ext>
-              <a:ext uri="{C183D7F6-B498-43B3-948B-1728B52AA6E4}">
-                <adec:decorative xmlns:adec="http://schemas.microsoft.com/office/drawing/2017/decorative" val="1"/>
-              </a:ext>
-            </a:extLst>
-          </p:cNvPr>
-          <p:cNvSpPr>
-            <a:spLocks noGrp="1" noRot="1" noChangeAspect="1" noMove="1" noResize="1" noEditPoints="1" noAdjustHandles="1" noChangeArrowheads="1" noChangeShapeType="1" noTextEdit="1"/>
-          </p:cNvSpPr>
-          <p:nvPr>
-            <p:extLst>
-              <p:ext uri="{386F3935-93C4-4BCD-93E2-E3B085C9AB24}">
-                <p16:designElem xmlns:p16="http://schemas.microsoft.com/office/powerpoint/2015/main" val="1"/>
-              </p:ext>
-            </p:extLst>
-          </p:nvPr>
-        </p:nvSpPr>
-        <p:spPr bwMode="ltGray">
-          <a:xfrm>
-            <a:off x="378068" y="343486"/>
-            <a:ext cx="11438793" cy="1844256"/>
-          </a:xfrm>
-          <a:prstGeom prst="rect">
-            <a:avLst/>
-          </a:prstGeom>
-          <a:solidFill>
-            <a:srgbClr val="404040"/>
-          </a:solidFill>
-          <a:ln w="127000" cap="sq" cmpd="thinThick">
-            <a:solidFill>
-              <a:srgbClr val="404040"/>
-            </a:solidFill>
-          </a:ln>
-        </p:spPr>
-        <p:style>
-          <a:lnRef idx="2">
-            <a:schemeClr val="accent1">
-              <a:shade val="50000"/>
-            </a:schemeClr>
-          </a:lnRef>
-          <a:fillRef idx="1">
-            <a:schemeClr val="accent1"/>
-          </a:fillRef>
-          <a:effectRef idx="0">
-            <a:schemeClr val="accent1"/>
-          </a:effectRef>
-          <a:fontRef idx="minor">
-            <a:schemeClr val="lt1"/>
-          </a:fontRef>
-        </p:style>
-        <p:txBody>
-          <a:bodyPr rtlCol="0" anchor="ctr"/>
-          <a:lstStyle/>
-          <a:p>
-            <a:pPr marL="0" marR="0" lvl="0" indent="0" algn="ctr" defTabSz="914400" rtl="0" eaLnBrk="1" fontAlgn="auto" latinLnBrk="0" hangingPunct="1">
-              <a:lnSpc>
-                <a:spcPct val="100000"/>
-              </a:lnSpc>
-              <a:spcBef>
-                <a:spcPts val="0"/>
-              </a:spcBef>
-              <a:spcAft>
-                <a:spcPts val="0"/>
-              </a:spcAft>
-              <a:buClrTx/>
-              <a:buSzTx/>
-              <a:buFontTx/>
-              <a:buNone/>
-              <a:tabLst/>
-              <a:defRPr/>
-            </a:pPr>
-            <a:endParaRPr kumimoji="0" lang="en-US" sz="1800" b="0" i="0" u="none" strike="noStrike" kern="1200" cap="none" spc="0" normalizeH="0" baseline="0" noProof="0">
-              <a:ln>
-                <a:noFill/>
-              </a:ln>
-              <a:solidFill>
-                <a:prstClr val="white"/>
-              </a:solidFill>
-              <a:effectLst/>
-              <a:uLnTx/>
-              <a:uFillTx/>
-              <a:latin typeface="Calibri" panose="020F0502020204030204"/>
-              <a:ea typeface="+mn-ea"/>
-              <a:cs typeface="+mn-cs"/>
-            </a:endParaRPr>
-          </a:p>
-        </p:txBody>
-      </p:sp>
-      <p:sp>
-        <p:nvSpPr>
-          <p:cNvPr id="2" name="Título 1">
-            <a:extLst>
-              <a:ext uri="{FF2B5EF4-FFF2-40B4-BE49-F238E27FC236}">
-                <a16:creationId xmlns:a16="http://schemas.microsoft.com/office/drawing/2014/main" id="{5F4D0F18-BA04-43AA-BABE-996EB9B55696}"/>
-              </a:ext>
-            </a:extLst>
-          </p:cNvPr>
-          <p:cNvSpPr>
-            <a:spLocks noGrp="1"/>
-          </p:cNvSpPr>
-          <p:nvPr>
-            <p:ph type="title"/>
-          </p:nvPr>
-        </p:nvSpPr>
-        <p:spPr>
-          <a:xfrm>
-            <a:off x="526073" y="466578"/>
-            <a:ext cx="11139854" cy="930447"/>
-          </a:xfrm>
-        </p:spPr>
-        <p:txBody>
-          <a:bodyPr vert="horz" lIns="91440" tIns="45720" rIns="91440" bIns="45720" rtlCol="0" anchor="b">
-            <a:normAutofit/>
-          </a:bodyPr>
-          <a:lstStyle/>
-          <a:p>
-            <a:pPr algn="ctr"/>
-            <a:r>
-              <a:rPr lang="en-US" sz="5400" kern="1200" dirty="0" err="1">
-                <a:solidFill>
-                  <a:srgbClr val="FFFFFF"/>
-                </a:solidFill>
-                <a:latin typeface="+mj-lt"/>
-                <a:ea typeface="+mj-ea"/>
-                <a:cs typeface="+mj-cs"/>
-              </a:rPr>
-              <a:t>Envio</a:t>
-            </a:r>
-            <a:r>
-              <a:rPr lang="en-US" sz="5400" kern="1200" dirty="0">
-                <a:solidFill>
-                  <a:srgbClr val="FFFFFF"/>
-                </a:solidFill>
-                <a:latin typeface="+mj-lt"/>
-                <a:ea typeface="+mj-ea"/>
-                <a:cs typeface="+mj-cs"/>
-              </a:rPr>
-              <a:t> de </a:t>
-            </a:r>
-            <a:r>
-              <a:rPr lang="en-US" sz="5400" kern="1200" dirty="0" err="1">
-                <a:solidFill>
-                  <a:srgbClr val="FFFFFF"/>
-                </a:solidFill>
-                <a:latin typeface="+mj-lt"/>
-                <a:ea typeface="+mj-ea"/>
-                <a:cs typeface="+mj-cs"/>
-              </a:rPr>
-              <a:t>alerta</a:t>
-            </a:r>
-            <a:r>
-              <a:rPr lang="en-US" sz="5400" kern="1200" dirty="0">
-                <a:solidFill>
-                  <a:srgbClr val="FFFFFF"/>
-                </a:solidFill>
-                <a:latin typeface="+mj-lt"/>
-                <a:ea typeface="+mj-ea"/>
-                <a:cs typeface="+mj-cs"/>
-              </a:rPr>
-              <a:t> </a:t>
-            </a:r>
-            <a:r>
-              <a:rPr lang="en-US" sz="5400" kern="1200" dirty="0" err="1">
-                <a:solidFill>
-                  <a:srgbClr val="FFFFFF"/>
-                </a:solidFill>
-                <a:latin typeface="+mj-lt"/>
-                <a:ea typeface="+mj-ea"/>
-                <a:cs typeface="+mj-cs"/>
-              </a:rPr>
-              <a:t>vai</a:t>
-            </a:r>
-            <a:r>
-              <a:rPr lang="en-US" sz="5400" kern="1200" dirty="0">
-                <a:solidFill>
-                  <a:srgbClr val="FFFFFF"/>
-                </a:solidFill>
-                <a:latin typeface="+mj-lt"/>
-                <a:ea typeface="+mj-ea"/>
-                <a:cs typeface="+mj-cs"/>
-              </a:rPr>
-              <a:t> SMS</a:t>
-            </a:r>
-          </a:p>
-        </p:txBody>
-      </p:sp>
-      <p:cxnSp>
-        <p:nvCxnSpPr>
-          <p:cNvPr id="22" name="Straight Connector 21">
-            <a:extLst>
-              <a:ext uri="{FF2B5EF4-FFF2-40B4-BE49-F238E27FC236}">
-                <a16:creationId xmlns:a16="http://schemas.microsoft.com/office/drawing/2014/main" id="{7E7C77BC-7138-40B1-A15B-20F57A494629}"/>
-              </a:ext>
-              <a:ext uri="{C183D7F6-B498-43B3-948B-1728B52AA6E4}">
-                <adec:decorative xmlns:adec="http://schemas.microsoft.com/office/drawing/2017/decorative" val="1"/>
-              </a:ext>
-            </a:extLst>
-          </p:cNvPr>
-          <p:cNvCxnSpPr>
-            <a:cxnSpLocks noGrp="1" noRot="1" noChangeAspect="1" noMove="1" noResize="1" noEditPoints="1" noAdjustHandles="1" noChangeArrowheads="1" noChangeShapeType="1"/>
-          </p:cNvCxnSpPr>
-          <p:nvPr>
-            <p:extLst>
-              <p:ext uri="{386F3935-93C4-4BCD-93E2-E3B085C9AB24}">
-                <p16:designElem xmlns:p16="http://schemas.microsoft.com/office/powerpoint/2015/main" val="1"/>
-              </p:ext>
-            </p:extLst>
-          </p:nvPr>
-        </p:nvCxnSpPr>
-        <p:spPr>
-          <a:xfrm>
-            <a:off x="2209800" y="1448631"/>
-            <a:ext cx="7772400" cy="0"/>
-          </a:xfrm>
-          <a:prstGeom prst="line">
-            <a:avLst/>
-          </a:prstGeom>
-          <a:ln w="22225">
-            <a:solidFill>
-              <a:srgbClr val="D9D9D9"/>
-            </a:solidFill>
-          </a:ln>
-        </p:spPr>
-        <p:style>
-          <a:lnRef idx="1">
-            <a:schemeClr val="accent1"/>
-          </a:lnRef>
-          <a:fillRef idx="0">
-            <a:schemeClr val="accent1"/>
-          </a:fillRef>
-          <a:effectRef idx="0">
-            <a:schemeClr val="accent1"/>
-          </a:effectRef>
-          <a:fontRef idx="minor">
-            <a:schemeClr val="tx1"/>
-          </a:fontRef>
-        </p:style>
-      </p:cxnSp>
-      <p:pic>
-        <p:nvPicPr>
-          <p:cNvPr id="15" name="Imagem 14" descr="Tela de celular com texto preto sobre fundo branco&#10;&#10;Descrição gerada automaticamente">
-            <a:extLst>
-              <a:ext uri="{FF2B5EF4-FFF2-40B4-BE49-F238E27FC236}">
-                <a16:creationId xmlns:a16="http://schemas.microsoft.com/office/drawing/2014/main" id="{E2D5FB2E-896B-4A0E-98AD-90998AD4C020}"/>
-              </a:ext>
-            </a:extLst>
-          </p:cNvPr>
-          <p:cNvPicPr>
-            <a:picLocks noChangeAspect="1"/>
-          </p:cNvPicPr>
-          <p:nvPr/>
-        </p:nvPicPr>
-        <p:blipFill>
-          <a:blip r:embed="rId2">
-            <a:extLst>
-              <a:ext uri="{28A0092B-C50C-407E-A947-70E740481C1C}">
-                <a14:useLocalDpi xmlns:a14="http://schemas.microsoft.com/office/drawing/2010/main" val="0"/>
-              </a:ext>
-            </a:extLst>
-          </a:blip>
-          <a:stretch>
-            <a:fillRect/>
-          </a:stretch>
-        </p:blipFill>
-        <p:spPr>
-          <a:xfrm>
-            <a:off x="1071404" y="2509911"/>
-            <a:ext cx="9994092" cy="3997637"/>
-          </a:xfrm>
-          <a:prstGeom prst="rect">
-            <a:avLst/>
-          </a:prstGeom>
-        </p:spPr>
-      </p:pic>
-    </p:spTree>
-    <p:extLst>
-      <p:ext uri="{BB962C8B-B14F-4D97-AF65-F5344CB8AC3E}">
-        <p14:creationId xmlns:p14="http://schemas.microsoft.com/office/powerpoint/2010/main" val="3075531277"/>
-      </p:ext>
-    </p:extLst>
-  </p:cSld>
-  <p:clrMapOvr>
-    <a:masterClrMapping/>
-  </p:clrMapOvr>
-</p:sld>
-</file>
-
-<file path=ppt/slides/slide6.xml><?xml version="1.0" encoding="utf-8"?>
+<file path=ppt/slides/slide2.xml><?xml version="1.0" encoding="utf-8"?>
 <p:sld xmlns:a="http://schemas.openxmlformats.org/drawingml/2006/main" xmlns:r="http://schemas.openxmlformats.org/officeDocument/2006/relationships" xmlns:p="http://schemas.openxmlformats.org/presentationml/2006/main">
   <p:cSld>
     <p:bg>
@@ -5383,7 +5375,7 @@
       </p:grpSpPr>
       <p:sp>
         <p:nvSpPr>
-          <p:cNvPr id="7" name="Freeform: Shape 6">
+          <p:cNvPr id="8" name="Freeform: Shape 7">
             <a:extLst>
               <a:ext uri="{FF2B5EF4-FFF2-40B4-BE49-F238E27FC236}">
                 <a16:creationId xmlns:a16="http://schemas.microsoft.com/office/drawing/2014/main" id="{66B332A4-D438-4773-A77F-5ED49A448D9D}"/>
@@ -5549,7 +5541,7 @@
       </p:sp>
       <p:sp>
         <p:nvSpPr>
-          <p:cNvPr id="9" name="Freeform: Shape 8">
+          <p:cNvPr id="10" name="Freeform: Shape 9">
             <a:extLst>
               <a:ext uri="{FF2B5EF4-FFF2-40B4-BE49-F238E27FC236}">
                 <a16:creationId xmlns:a16="http://schemas.microsoft.com/office/drawing/2014/main" id="{DF9AD32D-FF05-44F4-BD4D-9CEE89B71EB9}"/>
@@ -5741,6 +5733,1833 @@
           <a:p>
             <a:pPr algn="ctr"/>
             <a:r>
+              <a:rPr lang="en-US" sz="5400" kern="1200" dirty="0" err="1">
+                <a:solidFill>
+                  <a:schemeClr val="bg1">
+                    <a:lumMod val="95000"/>
+                    <a:lumOff val="5000"/>
+                  </a:schemeClr>
+                </a:solidFill>
+                <a:latin typeface="+mj-lt"/>
+                <a:ea typeface="+mj-ea"/>
+                <a:cs typeface="+mj-cs"/>
+              </a:rPr>
+              <a:t>Soluç</a:t>
+            </a:r>
+            <a:r>
+              <a:rPr lang="en-US" sz="5400" dirty="0" err="1">
+                <a:solidFill>
+                  <a:schemeClr val="bg1">
+                    <a:lumMod val="95000"/>
+                    <a:lumOff val="5000"/>
+                  </a:schemeClr>
+                </a:solidFill>
+              </a:rPr>
+              <a:t>ão</a:t>
+            </a:r>
+            <a:endParaRPr lang="en-US" sz="5400" kern="1200" dirty="0">
+              <a:solidFill>
+                <a:schemeClr val="bg1">
+                  <a:lumMod val="95000"/>
+                  <a:lumOff val="5000"/>
+                </a:schemeClr>
+              </a:solidFill>
+              <a:latin typeface="+mj-lt"/>
+              <a:ea typeface="+mj-ea"/>
+              <a:cs typeface="+mj-cs"/>
+            </a:endParaRPr>
+          </a:p>
+        </p:txBody>
+      </p:sp>
+    </p:spTree>
+    <p:extLst>
+      <p:ext uri="{BB962C8B-B14F-4D97-AF65-F5344CB8AC3E}">
+        <p14:creationId xmlns:p14="http://schemas.microsoft.com/office/powerpoint/2010/main" val="2932020123"/>
+      </p:ext>
+    </p:extLst>
+  </p:cSld>
+  <p:clrMapOvr>
+    <a:overrideClrMapping bg1="dk1" tx1="lt1" bg2="dk2" tx2="lt2" accent1="accent1" accent2="accent2" accent3="accent3" accent4="accent4" accent5="accent5" accent6="accent6" hlink="hlink" folHlink="folHlink"/>
+  </p:clrMapOvr>
+</p:sld>
+</file>
+
+<file path=ppt/slides/slide3.xml><?xml version="1.0" encoding="utf-8"?>
+<p:sld xmlns:a="http://schemas.openxmlformats.org/drawingml/2006/main" xmlns:r="http://schemas.openxmlformats.org/officeDocument/2006/relationships" xmlns:p="http://schemas.openxmlformats.org/presentationml/2006/main">
+  <p:cSld>
+    <p:bg>
+      <p:bgPr>
+        <a:solidFill>
+          <a:schemeClr val="tx1"/>
+        </a:solidFill>
+        <a:effectLst/>
+      </p:bgPr>
+    </p:bg>
+    <p:spTree>
+      <p:nvGrpSpPr>
+        <p:cNvPr id="1" name=""/>
+        <p:cNvGrpSpPr/>
+        <p:nvPr/>
+      </p:nvGrpSpPr>
+      <p:grpSpPr>
+        <a:xfrm>
+          <a:off x="0" y="0"/>
+          <a:ext cx="0" cy="0"/>
+          <a:chOff x="0" y="0"/>
+          <a:chExt cx="0" cy="0"/>
+        </a:xfrm>
+      </p:grpSpPr>
+      <p:sp>
+        <p:nvSpPr>
+          <p:cNvPr id="34" name="Rectangle 29">
+            <a:extLst>
+              <a:ext uri="{FF2B5EF4-FFF2-40B4-BE49-F238E27FC236}">
+                <a16:creationId xmlns:a16="http://schemas.microsoft.com/office/drawing/2014/main" id="{867D4867-5BA7-4462-B2F6-A23F4A622AA7}"/>
+              </a:ext>
+              <a:ext uri="{C183D7F6-B498-43B3-948B-1728B52AA6E4}">
+                <adec:decorative xmlns:adec="http://schemas.microsoft.com/office/drawing/2017/decorative" val="1"/>
+              </a:ext>
+            </a:extLst>
+          </p:cNvPr>
+          <p:cNvSpPr>
+            <a:spLocks noGrp="1" noRot="1" noChangeAspect="1" noMove="1" noResize="1" noEditPoints="1" noAdjustHandles="1" noChangeArrowheads="1" noChangeShapeType="1" noTextEdit="1"/>
+          </p:cNvSpPr>
+          <p:nvPr>
+            <p:extLst>
+              <p:ext uri="{386F3935-93C4-4BCD-93E2-E3B085C9AB24}">
+                <p16:designElem xmlns:p16="http://schemas.microsoft.com/office/powerpoint/2015/main" val="1"/>
+              </p:ext>
+            </p:extLst>
+          </p:nvPr>
+        </p:nvSpPr>
+        <p:spPr>
+          <a:xfrm>
+            <a:off x="0" y="0"/>
+            <a:ext cx="4654296" cy="6858000"/>
+          </a:xfrm>
+          <a:prstGeom prst="rect">
+            <a:avLst/>
+          </a:prstGeom>
+          <a:solidFill>
+            <a:srgbClr val="3F3F3F"/>
+          </a:solidFill>
+          <a:ln>
+            <a:noFill/>
+          </a:ln>
+        </p:spPr>
+        <p:style>
+          <a:lnRef idx="0">
+            <a:scrgbClr r="0" g="0" b="0"/>
+          </a:lnRef>
+          <a:fillRef idx="0">
+            <a:scrgbClr r="0" g="0" b="0"/>
+          </a:fillRef>
+          <a:effectRef idx="0">
+            <a:scrgbClr r="0" g="0" b="0"/>
+          </a:effectRef>
+          <a:fontRef idx="minor">
+            <a:schemeClr val="lt1"/>
+          </a:fontRef>
+        </p:style>
+        <p:txBody>
+          <a:bodyPr rtlCol="0" anchor="ctr"/>
+          <a:lstStyle/>
+          <a:p>
+            <a:pPr algn="ctr"/>
+            <a:endParaRPr lang="en-US" dirty="0"/>
+          </a:p>
+        </p:txBody>
+      </p:sp>
+      <p:sp>
+        <p:nvSpPr>
+          <p:cNvPr id="24" name="Título 1">
+            <a:extLst>
+              <a:ext uri="{FF2B5EF4-FFF2-40B4-BE49-F238E27FC236}">
+                <a16:creationId xmlns:a16="http://schemas.microsoft.com/office/drawing/2014/main" id="{8D051D8B-FE2E-416E-B399-CC56D5464B81}"/>
+              </a:ext>
+            </a:extLst>
+          </p:cNvPr>
+          <p:cNvSpPr>
+            <a:spLocks noGrp="1"/>
+          </p:cNvSpPr>
+          <p:nvPr>
+            <p:ph type="title"/>
+          </p:nvPr>
+        </p:nvSpPr>
+        <p:spPr>
+          <a:xfrm>
+            <a:off x="643468" y="623392"/>
+            <a:ext cx="3363974" cy="1607060"/>
+          </a:xfrm>
+          <a:noFill/>
+          <a:ln w="19050">
+            <a:solidFill>
+              <a:schemeClr val="tx1"/>
+            </a:solidFill>
+          </a:ln>
+        </p:spPr>
+        <p:txBody>
+          <a:bodyPr wrap="square" anchor="ctr">
+            <a:normAutofit/>
+          </a:bodyPr>
+          <a:lstStyle/>
+          <a:p>
+            <a:pPr algn="ctr"/>
+            <a:r>
+              <a:rPr lang="en-GB" sz="2800" dirty="0"/>
+              <a:t>HLD</a:t>
+            </a:r>
+            <a:endParaRPr lang="pt-BR" sz="2800" dirty="0"/>
+          </a:p>
+        </p:txBody>
+      </p:sp>
+      <p:pic>
+        <p:nvPicPr>
+          <p:cNvPr id="3" name="Imagem 2" descr="Tela de celular com texto preto sobre fundo branco&#10;&#10;Descrição gerada automaticamente">
+            <a:extLst>
+              <a:ext uri="{FF2B5EF4-FFF2-40B4-BE49-F238E27FC236}">
+                <a16:creationId xmlns:a16="http://schemas.microsoft.com/office/drawing/2014/main" id="{BEC58885-A86F-4A6D-B1B3-30556F8416DE}"/>
+              </a:ext>
+            </a:extLst>
+          </p:cNvPr>
+          <p:cNvPicPr>
+            <a:picLocks noChangeAspect="1"/>
+          </p:cNvPicPr>
+          <p:nvPr/>
+        </p:nvPicPr>
+        <p:blipFill>
+          <a:blip r:embed="rId2">
+            <a:extLst>
+              <a:ext uri="{28A0092B-C50C-407E-A947-70E740481C1C}">
+                <a14:useLocalDpi xmlns:a14="http://schemas.microsoft.com/office/drawing/2010/main" val="0"/>
+              </a:ext>
+            </a:extLst>
+          </a:blip>
+          <a:stretch>
+            <a:fillRect/>
+          </a:stretch>
+        </p:blipFill>
+        <p:spPr>
+          <a:xfrm>
+            <a:off x="4819650" y="357187"/>
+            <a:ext cx="7372350" cy="6143625"/>
+          </a:xfrm>
+          <a:prstGeom prst="rect">
+            <a:avLst/>
+          </a:prstGeom>
+        </p:spPr>
+      </p:pic>
+    </p:spTree>
+    <p:extLst>
+      <p:ext uri="{BB962C8B-B14F-4D97-AF65-F5344CB8AC3E}">
+        <p14:creationId xmlns:p14="http://schemas.microsoft.com/office/powerpoint/2010/main" val="348392430"/>
+      </p:ext>
+    </p:extLst>
+  </p:cSld>
+  <p:clrMapOvr>
+    <a:overrideClrMapping bg1="dk1" tx1="lt1" bg2="dk2" tx2="lt2" accent1="accent1" accent2="accent2" accent3="accent3" accent4="accent4" accent5="accent5" accent6="accent6" hlink="hlink" folHlink="folHlink"/>
+  </p:clrMapOvr>
+</p:sld>
+</file>
+
+<file path=ppt/slides/slide4.xml><?xml version="1.0" encoding="utf-8"?>
+<p:sld xmlns:a="http://schemas.openxmlformats.org/drawingml/2006/main" xmlns:r="http://schemas.openxmlformats.org/officeDocument/2006/relationships" xmlns:p="http://schemas.openxmlformats.org/presentationml/2006/main">
+  <p:cSld>
+    <p:bg>
+      <p:bgPr>
+        <a:solidFill>
+          <a:schemeClr val="bg1">
+            <a:tint val="95000"/>
+            <a:satMod val="170000"/>
+          </a:schemeClr>
+        </a:solidFill>
+        <a:effectLst/>
+      </p:bgPr>
+    </p:bg>
+    <p:spTree>
+      <p:nvGrpSpPr>
+        <p:cNvPr id="1" name=""/>
+        <p:cNvGrpSpPr/>
+        <p:nvPr/>
+      </p:nvGrpSpPr>
+      <p:grpSpPr>
+        <a:xfrm>
+          <a:off x="0" y="0"/>
+          <a:ext cx="0" cy="0"/>
+          <a:chOff x="0" y="0"/>
+          <a:chExt cx="0" cy="0"/>
+        </a:xfrm>
+      </p:grpSpPr>
+      <p:sp>
+        <p:nvSpPr>
+          <p:cNvPr id="8" name="Freeform: Shape 7">
+            <a:extLst>
+              <a:ext uri="{FF2B5EF4-FFF2-40B4-BE49-F238E27FC236}">
+                <a16:creationId xmlns:a16="http://schemas.microsoft.com/office/drawing/2014/main" id="{66B332A4-D438-4773-A77F-5ED49A448D9D}"/>
+              </a:ext>
+              <a:ext uri="{C183D7F6-B498-43B3-948B-1728B52AA6E4}">
+                <adec:decorative xmlns:adec="http://schemas.microsoft.com/office/drawing/2017/decorative" val="1"/>
+              </a:ext>
+            </a:extLst>
+          </p:cNvPr>
+          <p:cNvSpPr>
+            <a:spLocks noGrp="1" noRot="1" noChangeAspect="1" noMove="1" noResize="1" noEditPoints="1" noAdjustHandles="1" noChangeArrowheads="1" noChangeShapeType="1" noTextEdit="1"/>
+          </p:cNvSpPr>
+          <p:nvPr>
+            <p:extLst>
+              <p:ext uri="{386F3935-93C4-4BCD-93E2-E3B085C9AB24}">
+                <p16:designElem xmlns:p16="http://schemas.microsoft.com/office/powerpoint/2015/main" val="1"/>
+              </p:ext>
+            </p:extLst>
+          </p:nvPr>
+        </p:nvSpPr>
+        <p:spPr>
+          <a:xfrm>
+            <a:off x="1953768" y="0"/>
+            <a:ext cx="8284464" cy="6858000"/>
+          </a:xfrm>
+          <a:custGeom>
+            <a:avLst/>
+            <a:gdLst>
+              <a:gd name="connsiteX0" fmla="*/ 1818109 w 8284464"/>
+              <a:gd name="connsiteY0" fmla="*/ 0 h 6858000"/>
+              <a:gd name="connsiteX1" fmla="*/ 6466355 w 8284464"/>
+              <a:gd name="connsiteY1" fmla="*/ 0 h 6858000"/>
+              <a:gd name="connsiteX2" fmla="*/ 6620596 w 8284464"/>
+              <a:gd name="connsiteY2" fmla="*/ 109683 h 6858000"/>
+              <a:gd name="connsiteX3" fmla="*/ 8284464 w 8284464"/>
+              <a:gd name="connsiteY3" fmla="*/ 3429000 h 6858000"/>
+              <a:gd name="connsiteX4" fmla="*/ 6620596 w 8284464"/>
+              <a:gd name="connsiteY4" fmla="*/ 6748318 h 6858000"/>
+              <a:gd name="connsiteX5" fmla="*/ 6466355 w 8284464"/>
+              <a:gd name="connsiteY5" fmla="*/ 6858000 h 6858000"/>
+              <a:gd name="connsiteX6" fmla="*/ 1818109 w 8284464"/>
+              <a:gd name="connsiteY6" fmla="*/ 6858000 h 6858000"/>
+              <a:gd name="connsiteX7" fmla="*/ 1663869 w 8284464"/>
+              <a:gd name="connsiteY7" fmla="*/ 6748318 h 6858000"/>
+              <a:gd name="connsiteX8" fmla="*/ 0 w 8284464"/>
+              <a:gd name="connsiteY8" fmla="*/ 3429000 h 6858000"/>
+              <a:gd name="connsiteX9" fmla="*/ 1663869 w 8284464"/>
+              <a:gd name="connsiteY9" fmla="*/ 109683 h 6858000"/>
+            </a:gdLst>
+            <a:ahLst/>
+            <a:cxnLst>
+              <a:cxn ang="0">
+                <a:pos x="connsiteX0" y="connsiteY0"/>
+              </a:cxn>
+              <a:cxn ang="0">
+                <a:pos x="connsiteX1" y="connsiteY1"/>
+              </a:cxn>
+              <a:cxn ang="0">
+                <a:pos x="connsiteX2" y="connsiteY2"/>
+              </a:cxn>
+              <a:cxn ang="0">
+                <a:pos x="connsiteX3" y="connsiteY3"/>
+              </a:cxn>
+              <a:cxn ang="0">
+                <a:pos x="connsiteX4" y="connsiteY4"/>
+              </a:cxn>
+              <a:cxn ang="0">
+                <a:pos x="connsiteX5" y="connsiteY5"/>
+              </a:cxn>
+              <a:cxn ang="0">
+                <a:pos x="connsiteX6" y="connsiteY6"/>
+              </a:cxn>
+              <a:cxn ang="0">
+                <a:pos x="connsiteX7" y="connsiteY7"/>
+              </a:cxn>
+              <a:cxn ang="0">
+                <a:pos x="connsiteX8" y="connsiteY8"/>
+              </a:cxn>
+              <a:cxn ang="0">
+                <a:pos x="connsiteX9" y="connsiteY9"/>
+              </a:cxn>
+            </a:cxnLst>
+            <a:rect l="l" t="t" r="r" b="b"/>
+            <a:pathLst>
+              <a:path w="8284464" h="6858000">
+                <a:moveTo>
+                  <a:pt x="1818109" y="0"/>
+                </a:moveTo>
+                <a:lnTo>
+                  <a:pt x="6466355" y="0"/>
+                </a:lnTo>
+                <a:lnTo>
+                  <a:pt x="6620596" y="109683"/>
+                </a:lnTo>
+                <a:cubicBezTo>
+                  <a:pt x="7630666" y="865069"/>
+                  <a:pt x="8284464" y="2070683"/>
+                  <a:pt x="8284464" y="3429000"/>
+                </a:cubicBezTo>
+                <a:cubicBezTo>
+                  <a:pt x="8284464" y="4787317"/>
+                  <a:pt x="7630666" y="5992931"/>
+                  <a:pt x="6620596" y="6748318"/>
+                </a:cubicBezTo>
+                <a:lnTo>
+                  <a:pt x="6466355" y="6858000"/>
+                </a:lnTo>
+                <a:lnTo>
+                  <a:pt x="1818109" y="6858000"/>
+                </a:lnTo>
+                <a:lnTo>
+                  <a:pt x="1663869" y="6748318"/>
+                </a:lnTo>
+                <a:cubicBezTo>
+                  <a:pt x="653798" y="5992931"/>
+                  <a:pt x="0" y="4787317"/>
+                  <a:pt x="0" y="3429000"/>
+                </a:cubicBezTo>
+                <a:cubicBezTo>
+                  <a:pt x="0" y="2070683"/>
+                  <a:pt x="653798" y="865069"/>
+                  <a:pt x="1663869" y="109683"/>
+                </a:cubicBezTo>
+                <a:close/>
+              </a:path>
+            </a:pathLst>
+          </a:custGeom>
+          <a:solidFill>
+            <a:srgbClr val="FFFFFF">
+              <a:alpha val="80000"/>
+            </a:srgbClr>
+          </a:solidFill>
+          <a:ln>
+            <a:noFill/>
+          </a:ln>
+        </p:spPr>
+        <p:style>
+          <a:lnRef idx="2">
+            <a:schemeClr val="accent1">
+              <a:shade val="50000"/>
+            </a:schemeClr>
+          </a:lnRef>
+          <a:fillRef idx="1">
+            <a:schemeClr val="accent1"/>
+          </a:fillRef>
+          <a:effectRef idx="0">
+            <a:schemeClr val="accent1"/>
+          </a:effectRef>
+          <a:fontRef idx="minor">
+            <a:schemeClr val="lt1"/>
+          </a:fontRef>
+        </p:style>
+        <p:txBody>
+          <a:bodyPr wrap="square" rtlCol="0" anchor="ctr">
+            <a:noAutofit/>
+          </a:bodyPr>
+          <a:lstStyle/>
+          <a:p>
+            <a:pPr algn="ctr"/>
+            <a:endParaRPr lang="en-US"/>
+          </a:p>
+        </p:txBody>
+      </p:sp>
+      <p:sp>
+        <p:nvSpPr>
+          <p:cNvPr id="10" name="Freeform: Shape 9">
+            <a:extLst>
+              <a:ext uri="{FF2B5EF4-FFF2-40B4-BE49-F238E27FC236}">
+                <a16:creationId xmlns:a16="http://schemas.microsoft.com/office/drawing/2014/main" id="{DF9AD32D-FF05-44F4-BD4D-9CEE89B71EB9}"/>
+              </a:ext>
+              <a:ext uri="{C183D7F6-B498-43B3-948B-1728B52AA6E4}">
+                <adec:decorative xmlns:adec="http://schemas.microsoft.com/office/drawing/2017/decorative" val="1"/>
+              </a:ext>
+            </a:extLst>
+          </p:cNvPr>
+          <p:cNvSpPr>
+            <a:spLocks noGrp="1" noRot="1" noChangeAspect="1" noMove="1" noResize="1" noEditPoints="1" noAdjustHandles="1" noChangeArrowheads="1" noChangeShapeType="1" noTextEdit="1"/>
+          </p:cNvSpPr>
+          <p:nvPr>
+            <p:extLst>
+              <p:ext uri="{386F3935-93C4-4BCD-93E2-E3B085C9AB24}">
+                <p16:designElem xmlns:p16="http://schemas.microsoft.com/office/powerpoint/2015/main" val="1"/>
+              </p:ext>
+            </p:extLst>
+          </p:nvPr>
+        </p:nvSpPr>
+        <p:spPr>
+          <a:xfrm>
+            <a:off x="2118360" y="0"/>
+            <a:ext cx="7955280" cy="6858000"/>
+          </a:xfrm>
+          <a:custGeom>
+            <a:avLst/>
+            <a:gdLst>
+              <a:gd name="connsiteX0" fmla="*/ 1962423 w 7955280"/>
+              <a:gd name="connsiteY0" fmla="*/ 0 h 6858000"/>
+              <a:gd name="connsiteX1" fmla="*/ 5992858 w 7955280"/>
+              <a:gd name="connsiteY1" fmla="*/ 0 h 6858000"/>
+              <a:gd name="connsiteX2" fmla="*/ 6040191 w 7955280"/>
+              <a:gd name="connsiteY2" fmla="*/ 27216 h 6858000"/>
+              <a:gd name="connsiteX3" fmla="*/ 7955280 w 7955280"/>
+              <a:gd name="connsiteY3" fmla="*/ 3429000 h 6858000"/>
+              <a:gd name="connsiteX4" fmla="*/ 6040191 w 7955280"/>
+              <a:gd name="connsiteY4" fmla="*/ 6830784 h 6858000"/>
+              <a:gd name="connsiteX5" fmla="*/ 5992858 w 7955280"/>
+              <a:gd name="connsiteY5" fmla="*/ 6858000 h 6858000"/>
+              <a:gd name="connsiteX6" fmla="*/ 1962423 w 7955280"/>
+              <a:gd name="connsiteY6" fmla="*/ 6858000 h 6858000"/>
+              <a:gd name="connsiteX7" fmla="*/ 1915089 w 7955280"/>
+              <a:gd name="connsiteY7" fmla="*/ 6830784 h 6858000"/>
+              <a:gd name="connsiteX8" fmla="*/ 0 w 7955280"/>
+              <a:gd name="connsiteY8" fmla="*/ 3429000 h 6858000"/>
+              <a:gd name="connsiteX9" fmla="*/ 1915089 w 7955280"/>
+              <a:gd name="connsiteY9" fmla="*/ 27216 h 6858000"/>
+            </a:gdLst>
+            <a:ahLst/>
+            <a:cxnLst>
+              <a:cxn ang="0">
+                <a:pos x="connsiteX0" y="connsiteY0"/>
+              </a:cxn>
+              <a:cxn ang="0">
+                <a:pos x="connsiteX1" y="connsiteY1"/>
+              </a:cxn>
+              <a:cxn ang="0">
+                <a:pos x="connsiteX2" y="connsiteY2"/>
+              </a:cxn>
+              <a:cxn ang="0">
+                <a:pos x="connsiteX3" y="connsiteY3"/>
+              </a:cxn>
+              <a:cxn ang="0">
+                <a:pos x="connsiteX4" y="connsiteY4"/>
+              </a:cxn>
+              <a:cxn ang="0">
+                <a:pos x="connsiteX5" y="connsiteY5"/>
+              </a:cxn>
+              <a:cxn ang="0">
+                <a:pos x="connsiteX6" y="connsiteY6"/>
+              </a:cxn>
+              <a:cxn ang="0">
+                <a:pos x="connsiteX7" y="connsiteY7"/>
+              </a:cxn>
+              <a:cxn ang="0">
+                <a:pos x="connsiteX8" y="connsiteY8"/>
+              </a:cxn>
+              <a:cxn ang="0">
+                <a:pos x="connsiteX9" y="connsiteY9"/>
+              </a:cxn>
+            </a:cxnLst>
+            <a:rect l="l" t="t" r="r" b="b"/>
+            <a:pathLst>
+              <a:path w="7955280" h="6858000">
+                <a:moveTo>
+                  <a:pt x="1962423" y="0"/>
+                </a:moveTo>
+                <a:lnTo>
+                  <a:pt x="5992858" y="0"/>
+                </a:lnTo>
+                <a:lnTo>
+                  <a:pt x="6040191" y="27216"/>
+                </a:lnTo>
+                <a:cubicBezTo>
+                  <a:pt x="7188332" y="724844"/>
+                  <a:pt x="7955280" y="1987357"/>
+                  <a:pt x="7955280" y="3429000"/>
+                </a:cubicBezTo>
+                <a:cubicBezTo>
+                  <a:pt x="7955280" y="4870644"/>
+                  <a:pt x="7188332" y="6133157"/>
+                  <a:pt x="6040191" y="6830784"/>
+                </a:cubicBezTo>
+                <a:lnTo>
+                  <a:pt x="5992858" y="6858000"/>
+                </a:lnTo>
+                <a:lnTo>
+                  <a:pt x="1962423" y="6858000"/>
+                </a:lnTo>
+                <a:lnTo>
+                  <a:pt x="1915089" y="6830784"/>
+                </a:lnTo>
+                <a:cubicBezTo>
+                  <a:pt x="766948" y="6133157"/>
+                  <a:pt x="0" y="4870644"/>
+                  <a:pt x="0" y="3429000"/>
+                </a:cubicBezTo>
+                <a:cubicBezTo>
+                  <a:pt x="0" y="1987357"/>
+                  <a:pt x="766948" y="724844"/>
+                  <a:pt x="1915089" y="27216"/>
+                </a:cubicBezTo>
+                <a:close/>
+              </a:path>
+            </a:pathLst>
+          </a:custGeom>
+          <a:solidFill>
+            <a:schemeClr val="tx1"/>
+          </a:solidFill>
+          <a:ln>
+            <a:noFill/>
+          </a:ln>
+        </p:spPr>
+        <p:style>
+          <a:lnRef idx="2">
+            <a:schemeClr val="accent1">
+              <a:shade val="50000"/>
+            </a:schemeClr>
+          </a:lnRef>
+          <a:fillRef idx="1">
+            <a:schemeClr val="accent1"/>
+          </a:fillRef>
+          <a:effectRef idx="0">
+            <a:schemeClr val="accent1"/>
+          </a:effectRef>
+          <a:fontRef idx="minor">
+            <a:schemeClr val="lt1"/>
+          </a:fontRef>
+        </p:style>
+        <p:txBody>
+          <a:bodyPr wrap="square" rtlCol="0" anchor="ctr">
+            <a:noAutofit/>
+          </a:bodyPr>
+          <a:lstStyle/>
+          <a:p>
+            <a:pPr algn="ctr"/>
+            <a:endParaRPr lang="en-US"/>
+          </a:p>
+        </p:txBody>
+      </p:sp>
+      <p:sp>
+        <p:nvSpPr>
+          <p:cNvPr id="2" name="Título 1">
+            <a:extLst>
+              <a:ext uri="{FF2B5EF4-FFF2-40B4-BE49-F238E27FC236}">
+                <a16:creationId xmlns:a16="http://schemas.microsoft.com/office/drawing/2014/main" id="{CC4F9D5F-189D-4415-8245-208197C8F036}"/>
+              </a:ext>
+            </a:extLst>
+          </p:cNvPr>
+          <p:cNvSpPr>
+            <a:spLocks noGrp="1"/>
+          </p:cNvSpPr>
+          <p:nvPr>
+            <p:ph type="title"/>
+          </p:nvPr>
+        </p:nvSpPr>
+        <p:spPr>
+          <a:xfrm>
+            <a:off x="2555631" y="1441938"/>
+            <a:ext cx="7080738" cy="3974124"/>
+          </a:xfrm>
+        </p:spPr>
+        <p:txBody>
+          <a:bodyPr vert="horz" lIns="91440" tIns="45720" rIns="91440" bIns="45720" rtlCol="0" anchor="ctr">
+            <a:normAutofit/>
+          </a:bodyPr>
+          <a:lstStyle/>
+          <a:p>
+            <a:pPr algn="ctr"/>
+            <a:r>
+              <a:rPr lang="en-US" sz="5400" kern="1200">
+                <a:solidFill>
+                  <a:schemeClr val="bg1">
+                    <a:lumMod val="95000"/>
+                    <a:lumOff val="5000"/>
+                  </a:schemeClr>
+                </a:solidFill>
+                <a:latin typeface="+mj-lt"/>
+                <a:ea typeface="+mj-ea"/>
+                <a:cs typeface="+mj-cs"/>
+              </a:rPr>
+              <a:t>Bpmn</a:t>
+            </a:r>
+          </a:p>
+        </p:txBody>
+      </p:sp>
+    </p:spTree>
+    <p:extLst>
+      <p:ext uri="{BB962C8B-B14F-4D97-AF65-F5344CB8AC3E}">
+        <p14:creationId xmlns:p14="http://schemas.microsoft.com/office/powerpoint/2010/main" val="455635057"/>
+      </p:ext>
+    </p:extLst>
+  </p:cSld>
+  <p:clrMapOvr>
+    <a:overrideClrMapping bg1="dk1" tx1="lt1" bg2="dk2" tx2="lt2" accent1="accent1" accent2="accent2" accent3="accent3" accent4="accent4" accent5="accent5" accent6="accent6" hlink="hlink" folHlink="folHlink"/>
+  </p:clrMapOvr>
+</p:sld>
+</file>
+
+<file path=ppt/slides/slide5.xml><?xml version="1.0" encoding="utf-8"?>
+<p:sld xmlns:a="http://schemas.openxmlformats.org/drawingml/2006/main" xmlns:r="http://schemas.openxmlformats.org/officeDocument/2006/relationships" xmlns:p="http://schemas.openxmlformats.org/presentationml/2006/main">
+  <p:cSld>
+    <p:bg>
+      <p:bgPr>
+        <a:solidFill>
+          <a:schemeClr val="tx1"/>
+        </a:solidFill>
+        <a:effectLst/>
+      </p:bgPr>
+    </p:bg>
+    <p:spTree>
+      <p:nvGrpSpPr>
+        <p:cNvPr id="1" name=""/>
+        <p:cNvGrpSpPr/>
+        <p:nvPr/>
+      </p:nvGrpSpPr>
+      <p:grpSpPr>
+        <a:xfrm>
+          <a:off x="0" y="0"/>
+          <a:ext cx="0" cy="0"/>
+          <a:chOff x="0" y="0"/>
+          <a:chExt cx="0" cy="0"/>
+        </a:xfrm>
+      </p:grpSpPr>
+      <p:sp>
+        <p:nvSpPr>
+          <p:cNvPr id="34" name="Rectangle 29">
+            <a:extLst>
+              <a:ext uri="{FF2B5EF4-FFF2-40B4-BE49-F238E27FC236}">
+                <a16:creationId xmlns:a16="http://schemas.microsoft.com/office/drawing/2014/main" id="{867D4867-5BA7-4462-B2F6-A23F4A622AA7}"/>
+              </a:ext>
+              <a:ext uri="{C183D7F6-B498-43B3-948B-1728B52AA6E4}">
+                <adec:decorative xmlns:adec="http://schemas.microsoft.com/office/drawing/2017/decorative" val="1"/>
+              </a:ext>
+            </a:extLst>
+          </p:cNvPr>
+          <p:cNvSpPr>
+            <a:spLocks noGrp="1" noRot="1" noChangeAspect="1" noMove="1" noResize="1" noEditPoints="1" noAdjustHandles="1" noChangeArrowheads="1" noChangeShapeType="1" noTextEdit="1"/>
+          </p:cNvSpPr>
+          <p:nvPr>
+            <p:extLst>
+              <p:ext uri="{386F3935-93C4-4BCD-93E2-E3B085C9AB24}">
+                <p16:designElem xmlns:p16="http://schemas.microsoft.com/office/powerpoint/2015/main" val="1"/>
+              </p:ext>
+            </p:extLst>
+          </p:nvPr>
+        </p:nvSpPr>
+        <p:spPr>
+          <a:xfrm>
+            <a:off x="0" y="0"/>
+            <a:ext cx="4654296" cy="6858000"/>
+          </a:xfrm>
+          <a:prstGeom prst="rect">
+            <a:avLst/>
+          </a:prstGeom>
+          <a:solidFill>
+            <a:srgbClr val="3F3F3F"/>
+          </a:solidFill>
+          <a:ln>
+            <a:noFill/>
+          </a:ln>
+        </p:spPr>
+        <p:style>
+          <a:lnRef idx="0">
+            <a:scrgbClr r="0" g="0" b="0"/>
+          </a:lnRef>
+          <a:fillRef idx="0">
+            <a:scrgbClr r="0" g="0" b="0"/>
+          </a:fillRef>
+          <a:effectRef idx="0">
+            <a:scrgbClr r="0" g="0" b="0"/>
+          </a:effectRef>
+          <a:fontRef idx="minor">
+            <a:schemeClr val="lt1"/>
+          </a:fontRef>
+        </p:style>
+        <p:txBody>
+          <a:bodyPr rtlCol="0" anchor="ctr"/>
+          <a:lstStyle/>
+          <a:p>
+            <a:pPr algn="ctr"/>
+            <a:endParaRPr lang="en-US" dirty="0"/>
+          </a:p>
+        </p:txBody>
+      </p:sp>
+      <p:sp>
+        <p:nvSpPr>
+          <p:cNvPr id="24" name="Título 1">
+            <a:extLst>
+              <a:ext uri="{FF2B5EF4-FFF2-40B4-BE49-F238E27FC236}">
+                <a16:creationId xmlns:a16="http://schemas.microsoft.com/office/drawing/2014/main" id="{8D051D8B-FE2E-416E-B399-CC56D5464B81}"/>
+              </a:ext>
+            </a:extLst>
+          </p:cNvPr>
+          <p:cNvSpPr>
+            <a:spLocks noGrp="1"/>
+          </p:cNvSpPr>
+          <p:nvPr>
+            <p:ph type="title"/>
+          </p:nvPr>
+        </p:nvSpPr>
+        <p:spPr>
+          <a:xfrm>
+            <a:off x="643468" y="623392"/>
+            <a:ext cx="3363974" cy="1607060"/>
+          </a:xfrm>
+          <a:noFill/>
+          <a:ln w="19050">
+            <a:solidFill>
+              <a:schemeClr val="tx1"/>
+            </a:solidFill>
+          </a:ln>
+        </p:spPr>
+        <p:txBody>
+          <a:bodyPr wrap="square" anchor="ctr">
+            <a:normAutofit/>
+          </a:bodyPr>
+          <a:lstStyle/>
+          <a:p>
+            <a:pPr algn="ctr"/>
+            <a:r>
+              <a:rPr lang="en-GB" sz="2800"/>
+              <a:t>Dashboard</a:t>
+            </a:r>
+            <a:endParaRPr lang="pt-BR" sz="2800" dirty="0"/>
+          </a:p>
+        </p:txBody>
+      </p:sp>
+      <p:sp>
+        <p:nvSpPr>
+          <p:cNvPr id="25" name="Content Placeholder 8">
+            <a:extLst>
+              <a:ext uri="{FF2B5EF4-FFF2-40B4-BE49-F238E27FC236}">
+                <a16:creationId xmlns:a16="http://schemas.microsoft.com/office/drawing/2014/main" id="{A6D0F3EC-C565-43E6-A7E0-CA3B3C3BB314}"/>
+              </a:ext>
+            </a:extLst>
+          </p:cNvPr>
+          <p:cNvSpPr>
+            <a:spLocks noGrp="1"/>
+          </p:cNvSpPr>
+          <p:nvPr>
+            <p:ph idx="1"/>
+          </p:nvPr>
+        </p:nvSpPr>
+        <p:spPr>
+          <a:xfrm>
+            <a:off x="643468" y="2638043"/>
+            <a:ext cx="3363974" cy="3415623"/>
+          </a:xfrm>
+        </p:spPr>
+        <p:txBody>
+          <a:bodyPr>
+            <a:normAutofit/>
+          </a:bodyPr>
+          <a:lstStyle/>
+          <a:p>
+            <a:endParaRPr lang="en-US" sz="2000"/>
+          </a:p>
+        </p:txBody>
+      </p:sp>
+      <p:pic>
+        <p:nvPicPr>
+          <p:cNvPr id="5" name="Espaço Reservado para Conteúdo 4" descr="Uma imagem contendo medidor, estacionamento, duplo, relógio&#10;&#10;Descrição gerada automaticamente">
+            <a:extLst>
+              <a:ext uri="{FF2B5EF4-FFF2-40B4-BE49-F238E27FC236}">
+                <a16:creationId xmlns:a16="http://schemas.microsoft.com/office/drawing/2014/main" id="{A7B00F3C-346A-499A-9152-1EE09B1240BE}"/>
+              </a:ext>
+            </a:extLst>
+          </p:cNvPr>
+          <p:cNvPicPr>
+            <a:picLocks noChangeAspect="1"/>
+          </p:cNvPicPr>
+          <p:nvPr/>
+        </p:nvPicPr>
+        <p:blipFill>
+          <a:blip r:embed="rId2">
+            <a:extLst>
+              <a:ext uri="{28A0092B-C50C-407E-A947-70E740481C1C}">
+                <a14:useLocalDpi xmlns:a14="http://schemas.microsoft.com/office/drawing/2010/main" val="0"/>
+              </a:ext>
+            </a:extLst>
+          </a:blip>
+          <a:stretch>
+            <a:fillRect/>
+          </a:stretch>
+        </p:blipFill>
+        <p:spPr>
+          <a:xfrm>
+            <a:off x="5297765" y="67325"/>
+            <a:ext cx="6446560" cy="6768043"/>
+          </a:xfrm>
+          <a:prstGeom prst="rect">
+            <a:avLst/>
+          </a:prstGeom>
+        </p:spPr>
+      </p:pic>
+    </p:spTree>
+    <p:extLst>
+      <p:ext uri="{BB962C8B-B14F-4D97-AF65-F5344CB8AC3E}">
+        <p14:creationId xmlns:p14="http://schemas.microsoft.com/office/powerpoint/2010/main" val="2734771074"/>
+      </p:ext>
+    </p:extLst>
+  </p:cSld>
+  <p:clrMapOvr>
+    <a:overrideClrMapping bg1="dk1" tx1="lt1" bg2="dk2" tx2="lt2" accent1="accent1" accent2="accent2" accent3="accent3" accent4="accent4" accent5="accent5" accent6="accent6" hlink="hlink" folHlink="folHlink"/>
+  </p:clrMapOvr>
+</p:sld>
+</file>
+
+<file path=ppt/slides/slide6.xml><?xml version="1.0" encoding="utf-8"?>
+<p:sld xmlns:a="http://schemas.openxmlformats.org/drawingml/2006/main" xmlns:r="http://schemas.openxmlformats.org/officeDocument/2006/relationships" xmlns:p="http://schemas.openxmlformats.org/presentationml/2006/main">
+  <p:cSld>
+    <p:bg>
+      <p:bgPr>
+        <a:solidFill>
+          <a:schemeClr val="bg1"/>
+        </a:solidFill>
+        <a:effectLst/>
+      </p:bgPr>
+    </p:bg>
+    <p:spTree>
+      <p:nvGrpSpPr>
+        <p:cNvPr id="1" name=""/>
+        <p:cNvGrpSpPr/>
+        <p:nvPr/>
+      </p:nvGrpSpPr>
+      <p:grpSpPr>
+        <a:xfrm>
+          <a:off x="0" y="0"/>
+          <a:ext cx="0" cy="0"/>
+          <a:chOff x="0" y="0"/>
+          <a:chExt cx="0" cy="0"/>
+        </a:xfrm>
+      </p:grpSpPr>
+      <p:sp>
+        <p:nvSpPr>
+          <p:cNvPr id="17" name="Rectangle 16">
+            <a:extLst>
+              <a:ext uri="{FF2B5EF4-FFF2-40B4-BE49-F238E27FC236}">
+                <a16:creationId xmlns:a16="http://schemas.microsoft.com/office/drawing/2014/main" id="{823AC064-BC96-4F32-8AE1-B2FD38754823}"/>
+              </a:ext>
+              <a:ext uri="{C183D7F6-B498-43B3-948B-1728B52AA6E4}">
+                <adec:decorative xmlns:adec="http://schemas.microsoft.com/office/drawing/2017/decorative" val="1"/>
+              </a:ext>
+            </a:extLst>
+          </p:cNvPr>
+          <p:cNvSpPr>
+            <a:spLocks noGrp="1" noRot="1" noChangeAspect="1" noMove="1" noResize="1" noEditPoints="1" noAdjustHandles="1" noChangeArrowheads="1" noChangeShapeType="1" noTextEdit="1"/>
+          </p:cNvSpPr>
+          <p:nvPr>
+            <p:extLst>
+              <p:ext uri="{386F3935-93C4-4BCD-93E2-E3B085C9AB24}">
+                <p16:designElem xmlns:p16="http://schemas.microsoft.com/office/powerpoint/2015/main" val="1"/>
+              </p:ext>
+            </p:extLst>
+          </p:nvPr>
+        </p:nvSpPr>
+        <p:spPr bwMode="ltGray">
+          <a:xfrm>
+            <a:off x="378068" y="343486"/>
+            <a:ext cx="11438793" cy="1844256"/>
+          </a:xfrm>
+          <a:prstGeom prst="rect">
+            <a:avLst/>
+          </a:prstGeom>
+          <a:solidFill>
+            <a:srgbClr val="404040"/>
+          </a:solidFill>
+          <a:ln w="127000" cap="sq" cmpd="thinThick">
+            <a:solidFill>
+              <a:srgbClr val="404040"/>
+            </a:solidFill>
+          </a:ln>
+        </p:spPr>
+        <p:style>
+          <a:lnRef idx="2">
+            <a:schemeClr val="accent1">
+              <a:shade val="50000"/>
+            </a:schemeClr>
+          </a:lnRef>
+          <a:fillRef idx="1">
+            <a:schemeClr val="accent1"/>
+          </a:fillRef>
+          <a:effectRef idx="0">
+            <a:schemeClr val="accent1"/>
+          </a:effectRef>
+          <a:fontRef idx="minor">
+            <a:schemeClr val="lt1"/>
+          </a:fontRef>
+        </p:style>
+        <p:txBody>
+          <a:bodyPr rtlCol="0" anchor="ctr"/>
+          <a:lstStyle/>
+          <a:p>
+            <a:pPr marL="0" marR="0" lvl="0" indent="0" algn="ctr" defTabSz="914400" rtl="0" eaLnBrk="1" fontAlgn="auto" latinLnBrk="0" hangingPunct="1">
+              <a:lnSpc>
+                <a:spcPct val="100000"/>
+              </a:lnSpc>
+              <a:spcBef>
+                <a:spcPts val="0"/>
+              </a:spcBef>
+              <a:spcAft>
+                <a:spcPts val="0"/>
+              </a:spcAft>
+              <a:buClrTx/>
+              <a:buSzTx/>
+              <a:buFontTx/>
+              <a:buNone/>
+              <a:tabLst/>
+              <a:defRPr/>
+            </a:pPr>
+            <a:endParaRPr kumimoji="0" lang="en-US" sz="1800" b="0" i="0" u="none" strike="noStrike" kern="1200" cap="none" spc="0" normalizeH="0" baseline="0" noProof="0">
+              <a:ln>
+                <a:noFill/>
+              </a:ln>
+              <a:solidFill>
+                <a:prstClr val="white"/>
+              </a:solidFill>
+              <a:effectLst/>
+              <a:uLnTx/>
+              <a:uFillTx/>
+              <a:latin typeface="Calibri" panose="020F0502020204030204"/>
+              <a:ea typeface="+mn-ea"/>
+              <a:cs typeface="+mn-cs"/>
+            </a:endParaRPr>
+          </a:p>
+        </p:txBody>
+      </p:sp>
+      <p:sp>
+        <p:nvSpPr>
+          <p:cNvPr id="2" name="Título 1">
+            <a:extLst>
+              <a:ext uri="{FF2B5EF4-FFF2-40B4-BE49-F238E27FC236}">
+                <a16:creationId xmlns:a16="http://schemas.microsoft.com/office/drawing/2014/main" id="{5024CC49-F01B-4949-9792-9E588503BFC8}"/>
+              </a:ext>
+            </a:extLst>
+          </p:cNvPr>
+          <p:cNvSpPr>
+            <a:spLocks noGrp="1"/>
+          </p:cNvSpPr>
+          <p:nvPr>
+            <p:ph type="title"/>
+          </p:nvPr>
+        </p:nvSpPr>
+        <p:spPr>
+          <a:xfrm>
+            <a:off x="526073" y="466578"/>
+            <a:ext cx="11139854" cy="930447"/>
+          </a:xfrm>
+        </p:spPr>
+        <p:txBody>
+          <a:bodyPr vert="horz" lIns="91440" tIns="45720" rIns="91440" bIns="45720" rtlCol="0" anchor="b">
+            <a:normAutofit/>
+          </a:bodyPr>
+          <a:lstStyle/>
+          <a:p>
+            <a:pPr algn="ctr"/>
+            <a:r>
+              <a:rPr lang="en-US" sz="5400" kern="1200">
+                <a:solidFill>
+                  <a:srgbClr val="FFFFFF"/>
+                </a:solidFill>
+                <a:latin typeface="+mj-lt"/>
+                <a:ea typeface="+mj-ea"/>
+                <a:cs typeface="+mj-cs"/>
+              </a:rPr>
+              <a:t>Solução</a:t>
+            </a:r>
+          </a:p>
+        </p:txBody>
+      </p:sp>
+      <p:cxnSp>
+        <p:nvCxnSpPr>
+          <p:cNvPr id="19" name="Straight Connector 18">
+            <a:extLst>
+              <a:ext uri="{FF2B5EF4-FFF2-40B4-BE49-F238E27FC236}">
+                <a16:creationId xmlns:a16="http://schemas.microsoft.com/office/drawing/2014/main" id="{7E7C77BC-7138-40B1-A15B-20F57A494629}"/>
+              </a:ext>
+              <a:ext uri="{C183D7F6-B498-43B3-948B-1728B52AA6E4}">
+                <adec:decorative xmlns:adec="http://schemas.microsoft.com/office/drawing/2017/decorative" val="1"/>
+              </a:ext>
+            </a:extLst>
+          </p:cNvPr>
+          <p:cNvCxnSpPr>
+            <a:cxnSpLocks noGrp="1" noRot="1" noChangeAspect="1" noMove="1" noResize="1" noEditPoints="1" noAdjustHandles="1" noChangeArrowheads="1" noChangeShapeType="1"/>
+          </p:cNvCxnSpPr>
+          <p:nvPr>
+            <p:extLst>
+              <p:ext uri="{386F3935-93C4-4BCD-93E2-E3B085C9AB24}">
+                <p16:designElem xmlns:p16="http://schemas.microsoft.com/office/powerpoint/2015/main" val="1"/>
+              </p:ext>
+            </p:extLst>
+          </p:nvPr>
+        </p:nvCxnSpPr>
+        <p:spPr>
+          <a:xfrm>
+            <a:off x="2209800" y="1448631"/>
+            <a:ext cx="7772400" cy="0"/>
+          </a:xfrm>
+          <a:prstGeom prst="line">
+            <a:avLst/>
+          </a:prstGeom>
+          <a:ln w="22225">
+            <a:solidFill>
+              <a:srgbClr val="D9D9D9"/>
+            </a:solidFill>
+          </a:ln>
+        </p:spPr>
+        <p:style>
+          <a:lnRef idx="1">
+            <a:schemeClr val="accent1"/>
+          </a:lnRef>
+          <a:fillRef idx="0">
+            <a:schemeClr val="accent1"/>
+          </a:fillRef>
+          <a:effectRef idx="0">
+            <a:schemeClr val="accent1"/>
+          </a:effectRef>
+          <a:fontRef idx="minor">
+            <a:schemeClr val="tx1"/>
+          </a:fontRef>
+        </p:style>
+      </p:cxnSp>
+      <p:pic>
+        <p:nvPicPr>
+          <p:cNvPr id="5" name="Espaço Reservado para Conteúdo 4" descr="Tela de celular com texto preto sobre fundo branco&#10;&#10;Descrição gerada automaticamente">
+            <a:extLst>
+              <a:ext uri="{FF2B5EF4-FFF2-40B4-BE49-F238E27FC236}">
+                <a16:creationId xmlns:a16="http://schemas.microsoft.com/office/drawing/2014/main" id="{26B3D57A-C018-4D15-B2BC-04C331B6233A}"/>
+              </a:ext>
+            </a:extLst>
+          </p:cNvPr>
+          <p:cNvPicPr>
+            <a:picLocks noGrp="1" noChangeAspect="1"/>
+          </p:cNvPicPr>
+          <p:nvPr>
+            <p:ph idx="1"/>
+          </p:nvPr>
+        </p:nvPicPr>
+        <p:blipFill>
+          <a:blip r:embed="rId2">
+            <a:extLst>
+              <a:ext uri="{28A0092B-C50C-407E-A947-70E740481C1C}">
+                <a14:useLocalDpi xmlns:a14="http://schemas.microsoft.com/office/drawing/2010/main" val="0"/>
+              </a:ext>
+            </a:extLst>
+          </a:blip>
+          <a:stretch>
+            <a:fillRect/>
+          </a:stretch>
+        </p:blipFill>
+        <p:spPr>
+          <a:xfrm>
+            <a:off x="2876365" y="2248710"/>
+            <a:ext cx="7568399" cy="4427514"/>
+          </a:xfrm>
+          <a:prstGeom prst="rect">
+            <a:avLst/>
+          </a:prstGeom>
+        </p:spPr>
+      </p:pic>
+    </p:spTree>
+    <p:extLst>
+      <p:ext uri="{BB962C8B-B14F-4D97-AF65-F5344CB8AC3E}">
+        <p14:creationId xmlns:p14="http://schemas.microsoft.com/office/powerpoint/2010/main" val="2808974632"/>
+      </p:ext>
+    </p:extLst>
+  </p:cSld>
+  <p:clrMapOvr>
+    <a:masterClrMapping/>
+  </p:clrMapOvr>
+</p:sld>
+</file>
+
+<file path=ppt/slides/slide7.xml><?xml version="1.0" encoding="utf-8"?>
+<p:sld xmlns:a="http://schemas.openxmlformats.org/drawingml/2006/main" xmlns:r="http://schemas.openxmlformats.org/officeDocument/2006/relationships" xmlns:p="http://schemas.openxmlformats.org/presentationml/2006/main">
+  <p:cSld>
+    <p:bg>
+      <p:bgPr>
+        <a:solidFill>
+          <a:schemeClr val="bg1"/>
+        </a:solidFill>
+        <a:effectLst/>
+      </p:bgPr>
+    </p:bg>
+    <p:spTree>
+      <p:nvGrpSpPr>
+        <p:cNvPr id="1" name=""/>
+        <p:cNvGrpSpPr/>
+        <p:nvPr/>
+      </p:nvGrpSpPr>
+      <p:grpSpPr>
+        <a:xfrm>
+          <a:off x="0" y="0"/>
+          <a:ext cx="0" cy="0"/>
+          <a:chOff x="0" y="0"/>
+          <a:chExt cx="0" cy="0"/>
+        </a:xfrm>
+      </p:grpSpPr>
+      <p:sp>
+        <p:nvSpPr>
+          <p:cNvPr id="20" name="Rectangle 19">
+            <a:extLst>
+              <a:ext uri="{FF2B5EF4-FFF2-40B4-BE49-F238E27FC236}">
+                <a16:creationId xmlns:a16="http://schemas.microsoft.com/office/drawing/2014/main" id="{823AC064-BC96-4F32-8AE1-B2FD38754823}"/>
+              </a:ext>
+              <a:ext uri="{C183D7F6-B498-43B3-948B-1728B52AA6E4}">
+                <adec:decorative xmlns:adec="http://schemas.microsoft.com/office/drawing/2017/decorative" val="1"/>
+              </a:ext>
+            </a:extLst>
+          </p:cNvPr>
+          <p:cNvSpPr>
+            <a:spLocks noGrp="1" noRot="1" noChangeAspect="1" noMove="1" noResize="1" noEditPoints="1" noAdjustHandles="1" noChangeArrowheads="1" noChangeShapeType="1" noTextEdit="1"/>
+          </p:cNvSpPr>
+          <p:nvPr>
+            <p:extLst>
+              <p:ext uri="{386F3935-93C4-4BCD-93E2-E3B085C9AB24}">
+                <p16:designElem xmlns:p16="http://schemas.microsoft.com/office/powerpoint/2015/main" val="1"/>
+              </p:ext>
+            </p:extLst>
+          </p:nvPr>
+        </p:nvSpPr>
+        <p:spPr bwMode="ltGray">
+          <a:xfrm>
+            <a:off x="378068" y="343486"/>
+            <a:ext cx="11438793" cy="1844256"/>
+          </a:xfrm>
+          <a:prstGeom prst="rect">
+            <a:avLst/>
+          </a:prstGeom>
+          <a:solidFill>
+            <a:srgbClr val="404040"/>
+          </a:solidFill>
+          <a:ln w="127000" cap="sq" cmpd="thinThick">
+            <a:solidFill>
+              <a:srgbClr val="404040"/>
+            </a:solidFill>
+          </a:ln>
+        </p:spPr>
+        <p:style>
+          <a:lnRef idx="2">
+            <a:schemeClr val="accent1">
+              <a:shade val="50000"/>
+            </a:schemeClr>
+          </a:lnRef>
+          <a:fillRef idx="1">
+            <a:schemeClr val="accent1"/>
+          </a:fillRef>
+          <a:effectRef idx="0">
+            <a:schemeClr val="accent1"/>
+          </a:effectRef>
+          <a:fontRef idx="minor">
+            <a:schemeClr val="lt1"/>
+          </a:fontRef>
+        </p:style>
+        <p:txBody>
+          <a:bodyPr rtlCol="0" anchor="ctr"/>
+          <a:lstStyle/>
+          <a:p>
+            <a:pPr marL="0" marR="0" lvl="0" indent="0" algn="ctr" defTabSz="914400" rtl="0" eaLnBrk="1" fontAlgn="auto" latinLnBrk="0" hangingPunct="1">
+              <a:lnSpc>
+                <a:spcPct val="100000"/>
+              </a:lnSpc>
+              <a:spcBef>
+                <a:spcPts val="0"/>
+              </a:spcBef>
+              <a:spcAft>
+                <a:spcPts val="0"/>
+              </a:spcAft>
+              <a:buClrTx/>
+              <a:buSzTx/>
+              <a:buFontTx/>
+              <a:buNone/>
+              <a:tabLst/>
+              <a:defRPr/>
+            </a:pPr>
+            <a:endParaRPr kumimoji="0" lang="en-US" sz="1800" b="0" i="0" u="none" strike="noStrike" kern="1200" cap="none" spc="0" normalizeH="0" baseline="0" noProof="0">
+              <a:ln>
+                <a:noFill/>
+              </a:ln>
+              <a:solidFill>
+                <a:prstClr val="white"/>
+              </a:solidFill>
+              <a:effectLst/>
+              <a:uLnTx/>
+              <a:uFillTx/>
+              <a:latin typeface="Calibri" panose="020F0502020204030204"/>
+              <a:ea typeface="+mn-ea"/>
+              <a:cs typeface="+mn-cs"/>
+            </a:endParaRPr>
+          </a:p>
+        </p:txBody>
+      </p:sp>
+      <p:sp>
+        <p:nvSpPr>
+          <p:cNvPr id="2" name="Título 1">
+            <a:extLst>
+              <a:ext uri="{FF2B5EF4-FFF2-40B4-BE49-F238E27FC236}">
+                <a16:creationId xmlns:a16="http://schemas.microsoft.com/office/drawing/2014/main" id="{5F4D0F18-BA04-43AA-BABE-996EB9B55696}"/>
+              </a:ext>
+            </a:extLst>
+          </p:cNvPr>
+          <p:cNvSpPr>
+            <a:spLocks noGrp="1"/>
+          </p:cNvSpPr>
+          <p:nvPr>
+            <p:ph type="title"/>
+          </p:nvPr>
+        </p:nvSpPr>
+        <p:spPr>
+          <a:xfrm>
+            <a:off x="526073" y="466578"/>
+            <a:ext cx="11139854" cy="930447"/>
+          </a:xfrm>
+        </p:spPr>
+        <p:txBody>
+          <a:bodyPr vert="horz" lIns="91440" tIns="45720" rIns="91440" bIns="45720" rtlCol="0" anchor="b">
+            <a:normAutofit/>
+          </a:bodyPr>
+          <a:lstStyle/>
+          <a:p>
+            <a:pPr algn="ctr"/>
+            <a:r>
+              <a:rPr lang="en-US" sz="5400" kern="1200" dirty="0" err="1">
+                <a:solidFill>
+                  <a:srgbClr val="FFFFFF"/>
+                </a:solidFill>
+                <a:latin typeface="+mj-lt"/>
+                <a:ea typeface="+mj-ea"/>
+                <a:cs typeface="+mj-cs"/>
+              </a:rPr>
+              <a:t>Envio</a:t>
+            </a:r>
+            <a:r>
+              <a:rPr lang="en-US" sz="5400" kern="1200" dirty="0">
+                <a:solidFill>
+                  <a:srgbClr val="FFFFFF"/>
+                </a:solidFill>
+                <a:latin typeface="+mj-lt"/>
+                <a:ea typeface="+mj-ea"/>
+                <a:cs typeface="+mj-cs"/>
+              </a:rPr>
+              <a:t> de </a:t>
+            </a:r>
+            <a:r>
+              <a:rPr lang="en-US" sz="5400" kern="1200" dirty="0" err="1">
+                <a:solidFill>
+                  <a:srgbClr val="FFFFFF"/>
+                </a:solidFill>
+                <a:latin typeface="+mj-lt"/>
+                <a:ea typeface="+mj-ea"/>
+                <a:cs typeface="+mj-cs"/>
+              </a:rPr>
+              <a:t>alerta</a:t>
+            </a:r>
+            <a:r>
+              <a:rPr lang="en-US" sz="5400" kern="1200" dirty="0">
+                <a:solidFill>
+                  <a:srgbClr val="FFFFFF"/>
+                </a:solidFill>
+                <a:latin typeface="+mj-lt"/>
+                <a:ea typeface="+mj-ea"/>
+                <a:cs typeface="+mj-cs"/>
+              </a:rPr>
+              <a:t> </a:t>
+            </a:r>
+            <a:r>
+              <a:rPr lang="en-US" sz="5400" kern="1200" dirty="0" err="1">
+                <a:solidFill>
+                  <a:srgbClr val="FFFFFF"/>
+                </a:solidFill>
+                <a:latin typeface="+mj-lt"/>
+                <a:ea typeface="+mj-ea"/>
+                <a:cs typeface="+mj-cs"/>
+              </a:rPr>
+              <a:t>vai</a:t>
+            </a:r>
+            <a:r>
+              <a:rPr lang="en-US" sz="5400" kern="1200" dirty="0">
+                <a:solidFill>
+                  <a:srgbClr val="FFFFFF"/>
+                </a:solidFill>
+                <a:latin typeface="+mj-lt"/>
+                <a:ea typeface="+mj-ea"/>
+                <a:cs typeface="+mj-cs"/>
+              </a:rPr>
+              <a:t> SMS</a:t>
+            </a:r>
+          </a:p>
+        </p:txBody>
+      </p:sp>
+      <p:cxnSp>
+        <p:nvCxnSpPr>
+          <p:cNvPr id="22" name="Straight Connector 21">
+            <a:extLst>
+              <a:ext uri="{FF2B5EF4-FFF2-40B4-BE49-F238E27FC236}">
+                <a16:creationId xmlns:a16="http://schemas.microsoft.com/office/drawing/2014/main" id="{7E7C77BC-7138-40B1-A15B-20F57A494629}"/>
+              </a:ext>
+              <a:ext uri="{C183D7F6-B498-43B3-948B-1728B52AA6E4}">
+                <adec:decorative xmlns:adec="http://schemas.microsoft.com/office/drawing/2017/decorative" val="1"/>
+              </a:ext>
+            </a:extLst>
+          </p:cNvPr>
+          <p:cNvCxnSpPr>
+            <a:cxnSpLocks noGrp="1" noRot="1" noChangeAspect="1" noMove="1" noResize="1" noEditPoints="1" noAdjustHandles="1" noChangeArrowheads="1" noChangeShapeType="1"/>
+          </p:cNvCxnSpPr>
+          <p:nvPr>
+            <p:extLst>
+              <p:ext uri="{386F3935-93C4-4BCD-93E2-E3B085C9AB24}">
+                <p16:designElem xmlns:p16="http://schemas.microsoft.com/office/powerpoint/2015/main" val="1"/>
+              </p:ext>
+            </p:extLst>
+          </p:nvPr>
+        </p:nvCxnSpPr>
+        <p:spPr>
+          <a:xfrm>
+            <a:off x="2209800" y="1448631"/>
+            <a:ext cx="7772400" cy="0"/>
+          </a:xfrm>
+          <a:prstGeom prst="line">
+            <a:avLst/>
+          </a:prstGeom>
+          <a:ln w="22225">
+            <a:solidFill>
+              <a:srgbClr val="D9D9D9"/>
+            </a:solidFill>
+          </a:ln>
+        </p:spPr>
+        <p:style>
+          <a:lnRef idx="1">
+            <a:schemeClr val="accent1"/>
+          </a:lnRef>
+          <a:fillRef idx="0">
+            <a:schemeClr val="accent1"/>
+          </a:fillRef>
+          <a:effectRef idx="0">
+            <a:schemeClr val="accent1"/>
+          </a:effectRef>
+          <a:fontRef idx="minor">
+            <a:schemeClr val="tx1"/>
+          </a:fontRef>
+        </p:style>
+      </p:cxnSp>
+      <p:pic>
+        <p:nvPicPr>
+          <p:cNvPr id="15" name="Imagem 14" descr="Tela de celular com texto preto sobre fundo branco&#10;&#10;Descrição gerada automaticamente">
+            <a:extLst>
+              <a:ext uri="{FF2B5EF4-FFF2-40B4-BE49-F238E27FC236}">
+                <a16:creationId xmlns:a16="http://schemas.microsoft.com/office/drawing/2014/main" id="{E2D5FB2E-896B-4A0E-98AD-90998AD4C020}"/>
+              </a:ext>
+            </a:extLst>
+          </p:cNvPr>
+          <p:cNvPicPr>
+            <a:picLocks noChangeAspect="1"/>
+          </p:cNvPicPr>
+          <p:nvPr/>
+        </p:nvPicPr>
+        <p:blipFill>
+          <a:blip r:embed="rId2">
+            <a:extLst>
+              <a:ext uri="{28A0092B-C50C-407E-A947-70E740481C1C}">
+                <a14:useLocalDpi xmlns:a14="http://schemas.microsoft.com/office/drawing/2010/main" val="0"/>
+              </a:ext>
+            </a:extLst>
+          </a:blip>
+          <a:stretch>
+            <a:fillRect/>
+          </a:stretch>
+        </p:blipFill>
+        <p:spPr>
+          <a:xfrm>
+            <a:off x="1071404" y="2509911"/>
+            <a:ext cx="9994092" cy="3997637"/>
+          </a:xfrm>
+          <a:prstGeom prst="rect">
+            <a:avLst/>
+          </a:prstGeom>
+        </p:spPr>
+      </p:pic>
+    </p:spTree>
+    <p:extLst>
+      <p:ext uri="{BB962C8B-B14F-4D97-AF65-F5344CB8AC3E}">
+        <p14:creationId xmlns:p14="http://schemas.microsoft.com/office/powerpoint/2010/main" val="3075531277"/>
+      </p:ext>
+    </p:extLst>
+  </p:cSld>
+  <p:clrMapOvr>
+    <a:masterClrMapping/>
+  </p:clrMapOvr>
+</p:sld>
+</file>
+
+<file path=ppt/slides/slide8.xml><?xml version="1.0" encoding="utf-8"?>
+<p:sld xmlns:a="http://schemas.openxmlformats.org/drawingml/2006/main" xmlns:r="http://schemas.openxmlformats.org/officeDocument/2006/relationships" xmlns:p="http://schemas.openxmlformats.org/presentationml/2006/main">
+  <p:cSld>
+    <p:bg>
+      <p:bgPr>
+        <a:solidFill>
+          <a:schemeClr val="bg1">
+            <a:tint val="95000"/>
+            <a:satMod val="170000"/>
+          </a:schemeClr>
+        </a:solidFill>
+        <a:effectLst/>
+      </p:bgPr>
+    </p:bg>
+    <p:spTree>
+      <p:nvGrpSpPr>
+        <p:cNvPr id="1" name=""/>
+        <p:cNvGrpSpPr/>
+        <p:nvPr/>
+      </p:nvGrpSpPr>
+      <p:grpSpPr>
+        <a:xfrm>
+          <a:off x="0" y="0"/>
+          <a:ext cx="0" cy="0"/>
+          <a:chOff x="0" y="0"/>
+          <a:chExt cx="0" cy="0"/>
+        </a:xfrm>
+      </p:grpSpPr>
+      <p:sp>
+        <p:nvSpPr>
+          <p:cNvPr id="7" name="Freeform: Shape 6">
+            <a:extLst>
+              <a:ext uri="{FF2B5EF4-FFF2-40B4-BE49-F238E27FC236}">
+                <a16:creationId xmlns:a16="http://schemas.microsoft.com/office/drawing/2014/main" id="{66B332A4-D438-4773-A77F-5ED49A448D9D}"/>
+              </a:ext>
+              <a:ext uri="{C183D7F6-B498-43B3-948B-1728B52AA6E4}">
+                <adec:decorative xmlns:adec="http://schemas.microsoft.com/office/drawing/2017/decorative" val="1"/>
+              </a:ext>
+            </a:extLst>
+          </p:cNvPr>
+          <p:cNvSpPr>
+            <a:spLocks noGrp="1" noRot="1" noChangeAspect="1" noMove="1" noResize="1" noEditPoints="1" noAdjustHandles="1" noChangeArrowheads="1" noChangeShapeType="1" noTextEdit="1"/>
+          </p:cNvSpPr>
+          <p:nvPr>
+            <p:extLst>
+              <p:ext uri="{386F3935-93C4-4BCD-93E2-E3B085C9AB24}">
+                <p16:designElem xmlns:p16="http://schemas.microsoft.com/office/powerpoint/2015/main" val="1"/>
+              </p:ext>
+            </p:extLst>
+          </p:nvPr>
+        </p:nvSpPr>
+        <p:spPr>
+          <a:xfrm>
+            <a:off x="1953768" y="0"/>
+            <a:ext cx="8284464" cy="6858000"/>
+          </a:xfrm>
+          <a:custGeom>
+            <a:avLst/>
+            <a:gdLst>
+              <a:gd name="connsiteX0" fmla="*/ 1818109 w 8284464"/>
+              <a:gd name="connsiteY0" fmla="*/ 0 h 6858000"/>
+              <a:gd name="connsiteX1" fmla="*/ 6466355 w 8284464"/>
+              <a:gd name="connsiteY1" fmla="*/ 0 h 6858000"/>
+              <a:gd name="connsiteX2" fmla="*/ 6620596 w 8284464"/>
+              <a:gd name="connsiteY2" fmla="*/ 109683 h 6858000"/>
+              <a:gd name="connsiteX3" fmla="*/ 8284464 w 8284464"/>
+              <a:gd name="connsiteY3" fmla="*/ 3429000 h 6858000"/>
+              <a:gd name="connsiteX4" fmla="*/ 6620596 w 8284464"/>
+              <a:gd name="connsiteY4" fmla="*/ 6748318 h 6858000"/>
+              <a:gd name="connsiteX5" fmla="*/ 6466355 w 8284464"/>
+              <a:gd name="connsiteY5" fmla="*/ 6858000 h 6858000"/>
+              <a:gd name="connsiteX6" fmla="*/ 1818109 w 8284464"/>
+              <a:gd name="connsiteY6" fmla="*/ 6858000 h 6858000"/>
+              <a:gd name="connsiteX7" fmla="*/ 1663869 w 8284464"/>
+              <a:gd name="connsiteY7" fmla="*/ 6748318 h 6858000"/>
+              <a:gd name="connsiteX8" fmla="*/ 0 w 8284464"/>
+              <a:gd name="connsiteY8" fmla="*/ 3429000 h 6858000"/>
+              <a:gd name="connsiteX9" fmla="*/ 1663869 w 8284464"/>
+              <a:gd name="connsiteY9" fmla="*/ 109683 h 6858000"/>
+            </a:gdLst>
+            <a:ahLst/>
+            <a:cxnLst>
+              <a:cxn ang="0">
+                <a:pos x="connsiteX0" y="connsiteY0"/>
+              </a:cxn>
+              <a:cxn ang="0">
+                <a:pos x="connsiteX1" y="connsiteY1"/>
+              </a:cxn>
+              <a:cxn ang="0">
+                <a:pos x="connsiteX2" y="connsiteY2"/>
+              </a:cxn>
+              <a:cxn ang="0">
+                <a:pos x="connsiteX3" y="connsiteY3"/>
+              </a:cxn>
+              <a:cxn ang="0">
+                <a:pos x="connsiteX4" y="connsiteY4"/>
+              </a:cxn>
+              <a:cxn ang="0">
+                <a:pos x="connsiteX5" y="connsiteY5"/>
+              </a:cxn>
+              <a:cxn ang="0">
+                <a:pos x="connsiteX6" y="connsiteY6"/>
+              </a:cxn>
+              <a:cxn ang="0">
+                <a:pos x="connsiteX7" y="connsiteY7"/>
+              </a:cxn>
+              <a:cxn ang="0">
+                <a:pos x="connsiteX8" y="connsiteY8"/>
+              </a:cxn>
+              <a:cxn ang="0">
+                <a:pos x="connsiteX9" y="connsiteY9"/>
+              </a:cxn>
+            </a:cxnLst>
+            <a:rect l="l" t="t" r="r" b="b"/>
+            <a:pathLst>
+              <a:path w="8284464" h="6858000">
+                <a:moveTo>
+                  <a:pt x="1818109" y="0"/>
+                </a:moveTo>
+                <a:lnTo>
+                  <a:pt x="6466355" y="0"/>
+                </a:lnTo>
+                <a:lnTo>
+                  <a:pt x="6620596" y="109683"/>
+                </a:lnTo>
+                <a:cubicBezTo>
+                  <a:pt x="7630666" y="865069"/>
+                  <a:pt x="8284464" y="2070683"/>
+                  <a:pt x="8284464" y="3429000"/>
+                </a:cubicBezTo>
+                <a:cubicBezTo>
+                  <a:pt x="8284464" y="4787317"/>
+                  <a:pt x="7630666" y="5992931"/>
+                  <a:pt x="6620596" y="6748318"/>
+                </a:cubicBezTo>
+                <a:lnTo>
+                  <a:pt x="6466355" y="6858000"/>
+                </a:lnTo>
+                <a:lnTo>
+                  <a:pt x="1818109" y="6858000"/>
+                </a:lnTo>
+                <a:lnTo>
+                  <a:pt x="1663869" y="6748318"/>
+                </a:lnTo>
+                <a:cubicBezTo>
+                  <a:pt x="653798" y="5992931"/>
+                  <a:pt x="0" y="4787317"/>
+                  <a:pt x="0" y="3429000"/>
+                </a:cubicBezTo>
+                <a:cubicBezTo>
+                  <a:pt x="0" y="2070683"/>
+                  <a:pt x="653798" y="865069"/>
+                  <a:pt x="1663869" y="109683"/>
+                </a:cubicBezTo>
+                <a:close/>
+              </a:path>
+            </a:pathLst>
+          </a:custGeom>
+          <a:solidFill>
+            <a:srgbClr val="FFFFFF">
+              <a:alpha val="80000"/>
+            </a:srgbClr>
+          </a:solidFill>
+          <a:ln>
+            <a:noFill/>
+          </a:ln>
+        </p:spPr>
+        <p:style>
+          <a:lnRef idx="2">
+            <a:schemeClr val="accent1">
+              <a:shade val="50000"/>
+            </a:schemeClr>
+          </a:lnRef>
+          <a:fillRef idx="1">
+            <a:schemeClr val="accent1"/>
+          </a:fillRef>
+          <a:effectRef idx="0">
+            <a:schemeClr val="accent1"/>
+          </a:effectRef>
+          <a:fontRef idx="minor">
+            <a:schemeClr val="lt1"/>
+          </a:fontRef>
+        </p:style>
+        <p:txBody>
+          <a:bodyPr wrap="square" rtlCol="0" anchor="ctr">
+            <a:noAutofit/>
+          </a:bodyPr>
+          <a:lstStyle/>
+          <a:p>
+            <a:pPr algn="ctr"/>
+            <a:endParaRPr lang="en-US"/>
+          </a:p>
+        </p:txBody>
+      </p:sp>
+      <p:sp>
+        <p:nvSpPr>
+          <p:cNvPr id="9" name="Freeform: Shape 8">
+            <a:extLst>
+              <a:ext uri="{FF2B5EF4-FFF2-40B4-BE49-F238E27FC236}">
+                <a16:creationId xmlns:a16="http://schemas.microsoft.com/office/drawing/2014/main" id="{DF9AD32D-FF05-44F4-BD4D-9CEE89B71EB9}"/>
+              </a:ext>
+              <a:ext uri="{C183D7F6-B498-43B3-948B-1728B52AA6E4}">
+                <adec:decorative xmlns:adec="http://schemas.microsoft.com/office/drawing/2017/decorative" val="1"/>
+              </a:ext>
+            </a:extLst>
+          </p:cNvPr>
+          <p:cNvSpPr>
+            <a:spLocks noGrp="1" noRot="1" noChangeAspect="1" noMove="1" noResize="1" noEditPoints="1" noAdjustHandles="1" noChangeArrowheads="1" noChangeShapeType="1" noTextEdit="1"/>
+          </p:cNvSpPr>
+          <p:nvPr>
+            <p:extLst>
+              <p:ext uri="{386F3935-93C4-4BCD-93E2-E3B085C9AB24}">
+                <p16:designElem xmlns:p16="http://schemas.microsoft.com/office/powerpoint/2015/main" val="1"/>
+              </p:ext>
+            </p:extLst>
+          </p:nvPr>
+        </p:nvSpPr>
+        <p:spPr>
+          <a:xfrm>
+            <a:off x="2118360" y="0"/>
+            <a:ext cx="7955280" cy="6858000"/>
+          </a:xfrm>
+          <a:custGeom>
+            <a:avLst/>
+            <a:gdLst>
+              <a:gd name="connsiteX0" fmla="*/ 1962423 w 7955280"/>
+              <a:gd name="connsiteY0" fmla="*/ 0 h 6858000"/>
+              <a:gd name="connsiteX1" fmla="*/ 5992858 w 7955280"/>
+              <a:gd name="connsiteY1" fmla="*/ 0 h 6858000"/>
+              <a:gd name="connsiteX2" fmla="*/ 6040191 w 7955280"/>
+              <a:gd name="connsiteY2" fmla="*/ 27216 h 6858000"/>
+              <a:gd name="connsiteX3" fmla="*/ 7955280 w 7955280"/>
+              <a:gd name="connsiteY3" fmla="*/ 3429000 h 6858000"/>
+              <a:gd name="connsiteX4" fmla="*/ 6040191 w 7955280"/>
+              <a:gd name="connsiteY4" fmla="*/ 6830784 h 6858000"/>
+              <a:gd name="connsiteX5" fmla="*/ 5992858 w 7955280"/>
+              <a:gd name="connsiteY5" fmla="*/ 6858000 h 6858000"/>
+              <a:gd name="connsiteX6" fmla="*/ 1962423 w 7955280"/>
+              <a:gd name="connsiteY6" fmla="*/ 6858000 h 6858000"/>
+              <a:gd name="connsiteX7" fmla="*/ 1915089 w 7955280"/>
+              <a:gd name="connsiteY7" fmla="*/ 6830784 h 6858000"/>
+              <a:gd name="connsiteX8" fmla="*/ 0 w 7955280"/>
+              <a:gd name="connsiteY8" fmla="*/ 3429000 h 6858000"/>
+              <a:gd name="connsiteX9" fmla="*/ 1915089 w 7955280"/>
+              <a:gd name="connsiteY9" fmla="*/ 27216 h 6858000"/>
+            </a:gdLst>
+            <a:ahLst/>
+            <a:cxnLst>
+              <a:cxn ang="0">
+                <a:pos x="connsiteX0" y="connsiteY0"/>
+              </a:cxn>
+              <a:cxn ang="0">
+                <a:pos x="connsiteX1" y="connsiteY1"/>
+              </a:cxn>
+              <a:cxn ang="0">
+                <a:pos x="connsiteX2" y="connsiteY2"/>
+              </a:cxn>
+              <a:cxn ang="0">
+                <a:pos x="connsiteX3" y="connsiteY3"/>
+              </a:cxn>
+              <a:cxn ang="0">
+                <a:pos x="connsiteX4" y="connsiteY4"/>
+              </a:cxn>
+              <a:cxn ang="0">
+                <a:pos x="connsiteX5" y="connsiteY5"/>
+              </a:cxn>
+              <a:cxn ang="0">
+                <a:pos x="connsiteX6" y="connsiteY6"/>
+              </a:cxn>
+              <a:cxn ang="0">
+                <a:pos x="connsiteX7" y="connsiteY7"/>
+              </a:cxn>
+              <a:cxn ang="0">
+                <a:pos x="connsiteX8" y="connsiteY8"/>
+              </a:cxn>
+              <a:cxn ang="0">
+                <a:pos x="connsiteX9" y="connsiteY9"/>
+              </a:cxn>
+            </a:cxnLst>
+            <a:rect l="l" t="t" r="r" b="b"/>
+            <a:pathLst>
+              <a:path w="7955280" h="6858000">
+                <a:moveTo>
+                  <a:pt x="1962423" y="0"/>
+                </a:moveTo>
+                <a:lnTo>
+                  <a:pt x="5992858" y="0"/>
+                </a:lnTo>
+                <a:lnTo>
+                  <a:pt x="6040191" y="27216"/>
+                </a:lnTo>
+                <a:cubicBezTo>
+                  <a:pt x="7188332" y="724844"/>
+                  <a:pt x="7955280" y="1987357"/>
+                  <a:pt x="7955280" y="3429000"/>
+                </a:cubicBezTo>
+                <a:cubicBezTo>
+                  <a:pt x="7955280" y="4870644"/>
+                  <a:pt x="7188332" y="6133157"/>
+                  <a:pt x="6040191" y="6830784"/>
+                </a:cubicBezTo>
+                <a:lnTo>
+                  <a:pt x="5992858" y="6858000"/>
+                </a:lnTo>
+                <a:lnTo>
+                  <a:pt x="1962423" y="6858000"/>
+                </a:lnTo>
+                <a:lnTo>
+                  <a:pt x="1915089" y="6830784"/>
+                </a:lnTo>
+                <a:cubicBezTo>
+                  <a:pt x="766948" y="6133157"/>
+                  <a:pt x="0" y="4870644"/>
+                  <a:pt x="0" y="3429000"/>
+                </a:cubicBezTo>
+                <a:cubicBezTo>
+                  <a:pt x="0" y="1987357"/>
+                  <a:pt x="766948" y="724844"/>
+                  <a:pt x="1915089" y="27216"/>
+                </a:cubicBezTo>
+                <a:close/>
+              </a:path>
+            </a:pathLst>
+          </a:custGeom>
+          <a:solidFill>
+            <a:schemeClr val="tx1"/>
+          </a:solidFill>
+          <a:ln>
+            <a:noFill/>
+          </a:ln>
+        </p:spPr>
+        <p:style>
+          <a:lnRef idx="2">
+            <a:schemeClr val="accent1">
+              <a:shade val="50000"/>
+            </a:schemeClr>
+          </a:lnRef>
+          <a:fillRef idx="1">
+            <a:schemeClr val="accent1"/>
+          </a:fillRef>
+          <a:effectRef idx="0">
+            <a:schemeClr val="accent1"/>
+          </a:effectRef>
+          <a:fontRef idx="minor">
+            <a:schemeClr val="lt1"/>
+          </a:fontRef>
+        </p:style>
+        <p:txBody>
+          <a:bodyPr wrap="square" rtlCol="0" anchor="ctr">
+            <a:noAutofit/>
+          </a:bodyPr>
+          <a:lstStyle/>
+          <a:p>
+            <a:pPr algn="ctr"/>
+            <a:endParaRPr lang="en-US"/>
+          </a:p>
+        </p:txBody>
+      </p:sp>
+      <p:sp>
+        <p:nvSpPr>
+          <p:cNvPr id="2" name="Título 1">
+            <a:extLst>
+              <a:ext uri="{FF2B5EF4-FFF2-40B4-BE49-F238E27FC236}">
+                <a16:creationId xmlns:a16="http://schemas.microsoft.com/office/drawing/2014/main" id="{CC4F9D5F-189D-4415-8245-208197C8F036}"/>
+              </a:ext>
+            </a:extLst>
+          </p:cNvPr>
+          <p:cNvSpPr>
+            <a:spLocks noGrp="1"/>
+          </p:cNvSpPr>
+          <p:nvPr>
+            <p:ph type="title"/>
+          </p:nvPr>
+        </p:nvSpPr>
+        <p:spPr>
+          <a:xfrm>
+            <a:off x="2555631" y="1441938"/>
+            <a:ext cx="7080738" cy="3974124"/>
+          </a:xfrm>
+        </p:spPr>
+        <p:txBody>
+          <a:bodyPr vert="horz" lIns="91440" tIns="45720" rIns="91440" bIns="45720" rtlCol="0" anchor="ctr">
+            <a:normAutofit/>
+          </a:bodyPr>
+          <a:lstStyle/>
+          <a:p>
+            <a:pPr algn="ctr"/>
+            <a:r>
               <a:rPr lang="en-US" sz="5400" dirty="0" err="1">
                 <a:solidFill>
                   <a:schemeClr val="bg1">
@@ -5830,7 +7649,7 @@
 </p:sld>
 </file>
 
-<file path=ppt/slides/slide7.xml><?xml version="1.0" encoding="utf-8"?>
+<file path=ppt/slides/slide9.xml><?xml version="1.0" encoding="utf-8"?>
 <p:sld xmlns:a="http://schemas.openxmlformats.org/drawingml/2006/main" xmlns:r="http://schemas.openxmlformats.org/officeDocument/2006/relationships" xmlns:p="http://schemas.openxmlformats.org/presentationml/2006/main">
   <p:cSld>
     <p:bg>
@@ -6079,490 +7898,6 @@
     <p:extLst>
       <p:ext uri="{BB962C8B-B14F-4D97-AF65-F5344CB8AC3E}">
         <p14:creationId xmlns:p14="http://schemas.microsoft.com/office/powerpoint/2010/main" val="2006720200"/>
-      </p:ext>
-    </p:extLst>
-  </p:cSld>
-  <p:clrMapOvr>
-    <a:masterClrMapping/>
-  </p:clrMapOvr>
-</p:sld>
-</file>
-
-<file path=ppt/slides/slide8.xml><?xml version="1.0" encoding="utf-8"?>
-<p:sld xmlns:a="http://schemas.openxmlformats.org/drawingml/2006/main" xmlns:r="http://schemas.openxmlformats.org/officeDocument/2006/relationships" xmlns:p="http://schemas.openxmlformats.org/presentationml/2006/main">
-  <p:cSld>
-    <p:bg>
-      <p:bgPr>
-        <a:solidFill>
-          <a:schemeClr val="bg1"/>
-        </a:solidFill>
-        <a:effectLst/>
-      </p:bgPr>
-    </p:bg>
-    <p:spTree>
-      <p:nvGrpSpPr>
-        <p:cNvPr id="1" name=""/>
-        <p:cNvGrpSpPr/>
-        <p:nvPr/>
-      </p:nvGrpSpPr>
-      <p:grpSpPr>
-        <a:xfrm>
-          <a:off x="0" y="0"/>
-          <a:ext cx="0" cy="0"/>
-          <a:chOff x="0" y="0"/>
-          <a:chExt cx="0" cy="0"/>
-        </a:xfrm>
-      </p:grpSpPr>
-      <p:sp>
-        <p:nvSpPr>
-          <p:cNvPr id="10" name="Rectangle 9">
-            <a:extLst>
-              <a:ext uri="{FF2B5EF4-FFF2-40B4-BE49-F238E27FC236}">
-                <a16:creationId xmlns:a16="http://schemas.microsoft.com/office/drawing/2014/main" id="{AB45A142-4255-493C-8284-5D566C121B10}"/>
-              </a:ext>
-              <a:ext uri="{C183D7F6-B498-43B3-948B-1728B52AA6E4}">
-                <adec:decorative xmlns:adec="http://schemas.microsoft.com/office/drawing/2017/decorative" val="1"/>
-              </a:ext>
-            </a:extLst>
-          </p:cNvPr>
-          <p:cNvSpPr>
-            <a:spLocks noGrp="1" noRot="1" noChangeAspect="1" noMove="1" noResize="1" noEditPoints="1" noAdjustHandles="1" noChangeArrowheads="1" noChangeShapeType="1" noTextEdit="1"/>
-          </p:cNvSpPr>
-          <p:nvPr>
-            <p:extLst>
-              <p:ext uri="{386F3935-93C4-4BCD-93E2-E3B085C9AB24}">
-                <p16:designElem xmlns:p16="http://schemas.microsoft.com/office/powerpoint/2015/main" val="1"/>
-              </p:ext>
-            </p:extLst>
-          </p:nvPr>
-        </p:nvSpPr>
-        <p:spPr bwMode="ltGray">
-          <a:xfrm>
-            <a:off x="336884" y="321177"/>
-            <a:ext cx="4332307" cy="6179552"/>
-          </a:xfrm>
-          <a:prstGeom prst="rect">
-            <a:avLst/>
-          </a:prstGeom>
-          <a:solidFill>
-            <a:srgbClr val="404040">
-              <a:alpha val="89804"/>
-            </a:srgbClr>
-          </a:solidFill>
-          <a:ln w="127000" cap="sq" cmpd="thinThick">
-            <a:solidFill>
-              <a:srgbClr val="595959">
-                <a:alpha val="80000"/>
-              </a:srgbClr>
-            </a:solidFill>
-          </a:ln>
-        </p:spPr>
-        <p:style>
-          <a:lnRef idx="2">
-            <a:schemeClr val="accent1">
-              <a:shade val="50000"/>
-            </a:schemeClr>
-          </a:lnRef>
-          <a:fillRef idx="1">
-            <a:schemeClr val="accent1"/>
-          </a:fillRef>
-          <a:effectRef idx="0">
-            <a:schemeClr val="accent1"/>
-          </a:effectRef>
-          <a:fontRef idx="minor">
-            <a:schemeClr val="lt1"/>
-          </a:fontRef>
-        </p:style>
-        <p:txBody>
-          <a:bodyPr rtlCol="0" anchor="ctr"/>
-          <a:lstStyle/>
-          <a:p>
-            <a:pPr algn="ctr"/>
-            <a:endParaRPr lang="en-US"/>
-          </a:p>
-        </p:txBody>
-      </p:sp>
-      <p:sp>
-        <p:nvSpPr>
-          <p:cNvPr id="2" name="Título 1">
-            <a:extLst>
-              <a:ext uri="{FF2B5EF4-FFF2-40B4-BE49-F238E27FC236}">
-                <a16:creationId xmlns:a16="http://schemas.microsoft.com/office/drawing/2014/main" id="{2165D708-6BA1-4ACF-9B53-CFE4A200E73E}"/>
-              </a:ext>
-            </a:extLst>
-          </p:cNvPr>
-          <p:cNvSpPr>
-            <a:spLocks noGrp="1"/>
-          </p:cNvSpPr>
-          <p:nvPr>
-            <p:ph type="title"/>
-          </p:nvPr>
-        </p:nvSpPr>
-        <p:spPr>
-          <a:xfrm>
-            <a:off x="674237" y="914400"/>
-            <a:ext cx="3657600" cy="2887579"/>
-          </a:xfrm>
-        </p:spPr>
-        <p:txBody>
-          <a:bodyPr vert="horz" lIns="91440" tIns="45720" rIns="91440" bIns="45720" rtlCol="0" anchor="b">
-            <a:normAutofit/>
-          </a:bodyPr>
-          <a:lstStyle/>
-          <a:p>
-            <a:pPr algn="ctr"/>
-            <a:r>
-              <a:rPr lang="en-US" sz="4800" kern="1200" dirty="0" err="1">
-                <a:solidFill>
-                  <a:srgbClr val="FFFFFF"/>
-                </a:solidFill>
-                <a:latin typeface="+mj-lt"/>
-                <a:ea typeface="+mj-ea"/>
-                <a:cs typeface="+mj-cs"/>
-              </a:rPr>
-              <a:t>Tela</a:t>
-            </a:r>
-            <a:r>
-              <a:rPr lang="en-US" sz="4800" kern="1200" dirty="0">
-                <a:solidFill>
-                  <a:srgbClr val="FFFFFF"/>
-                </a:solidFill>
-                <a:latin typeface="+mj-lt"/>
-                <a:ea typeface="+mj-ea"/>
-                <a:cs typeface="+mj-cs"/>
-              </a:rPr>
-              <a:t> de </a:t>
-            </a:r>
-            <a:r>
-              <a:rPr lang="en-US" sz="4800" kern="1200" dirty="0" err="1">
-                <a:solidFill>
-                  <a:srgbClr val="FFFFFF"/>
-                </a:solidFill>
-                <a:latin typeface="+mj-lt"/>
-                <a:ea typeface="+mj-ea"/>
-                <a:cs typeface="+mj-cs"/>
-              </a:rPr>
-              <a:t>cadastro</a:t>
-            </a:r>
-            <a:endParaRPr lang="en-US" sz="4800" kern="1200" dirty="0">
-              <a:solidFill>
-                <a:srgbClr val="FFFFFF"/>
-              </a:solidFill>
-              <a:latin typeface="+mj-lt"/>
-              <a:ea typeface="+mj-ea"/>
-              <a:cs typeface="+mj-cs"/>
-            </a:endParaRPr>
-          </a:p>
-        </p:txBody>
-      </p:sp>
-      <p:cxnSp>
-        <p:nvCxnSpPr>
-          <p:cNvPr id="12" name="Straight Connector 11">
-            <a:extLst>
-              <a:ext uri="{FF2B5EF4-FFF2-40B4-BE49-F238E27FC236}">
-                <a16:creationId xmlns:a16="http://schemas.microsoft.com/office/drawing/2014/main" id="{38FB9660-F42F-4313-BBC4-47C007FE484C}"/>
-              </a:ext>
-              <a:ext uri="{C183D7F6-B498-43B3-948B-1728B52AA6E4}">
-                <adec:decorative xmlns:adec="http://schemas.microsoft.com/office/drawing/2017/decorative" val="1"/>
-              </a:ext>
-            </a:extLst>
-          </p:cNvPr>
-          <p:cNvCxnSpPr>
-            <a:cxnSpLocks noGrp="1" noRot="1" noChangeAspect="1" noMove="1" noResize="1" noEditPoints="1" noAdjustHandles="1" noChangeArrowheads="1" noChangeShapeType="1"/>
-          </p:cNvCxnSpPr>
-          <p:nvPr>
-            <p:extLst>
-              <p:ext uri="{386F3935-93C4-4BCD-93E2-E3B085C9AB24}">
-                <p16:designElem xmlns:p16="http://schemas.microsoft.com/office/powerpoint/2015/main" val="1"/>
-              </p:ext>
-            </p:extLst>
-          </p:nvPr>
-        </p:nvCxnSpPr>
-        <p:spPr>
-          <a:xfrm>
-            <a:off x="1191126" y="3910267"/>
-            <a:ext cx="2586790" cy="0"/>
-          </a:xfrm>
-          <a:prstGeom prst="line">
-            <a:avLst/>
-          </a:prstGeom>
-          <a:ln w="22225">
-            <a:solidFill>
-              <a:srgbClr val="D9D9D9"/>
-            </a:solidFill>
-          </a:ln>
-        </p:spPr>
-        <p:style>
-          <a:lnRef idx="1">
-            <a:schemeClr val="accent1"/>
-          </a:lnRef>
-          <a:fillRef idx="0">
-            <a:schemeClr val="accent1"/>
-          </a:fillRef>
-          <a:effectRef idx="0">
-            <a:schemeClr val="accent1"/>
-          </a:effectRef>
-          <a:fontRef idx="minor">
-            <a:schemeClr val="tx1"/>
-          </a:fontRef>
-        </p:style>
-      </p:cxnSp>
-      <p:pic>
-        <p:nvPicPr>
-          <p:cNvPr id="5" name="Espaço Reservado para Conteúdo 4" descr="Uma imagem contendo texto, mapa&#10;&#10;Descrição gerada automaticamente">
-            <a:extLst>
-              <a:ext uri="{FF2B5EF4-FFF2-40B4-BE49-F238E27FC236}">
-                <a16:creationId xmlns:a16="http://schemas.microsoft.com/office/drawing/2014/main" id="{3DD014B1-A611-4D6B-B60A-36C163B7EB75}"/>
-              </a:ext>
-            </a:extLst>
-          </p:cNvPr>
-          <p:cNvPicPr>
-            <a:picLocks noGrp="1" noChangeAspect="1"/>
-          </p:cNvPicPr>
-          <p:nvPr>
-            <p:ph idx="1"/>
-          </p:nvPr>
-        </p:nvPicPr>
-        <p:blipFill>
-          <a:blip r:embed="rId2">
-            <a:extLst>
-              <a:ext uri="{28A0092B-C50C-407E-A947-70E740481C1C}">
-                <a14:useLocalDpi xmlns:a14="http://schemas.microsoft.com/office/drawing/2010/main" val="0"/>
-              </a:ext>
-            </a:extLst>
-          </a:blip>
-          <a:stretch>
-            <a:fillRect/>
-          </a:stretch>
-        </p:blipFill>
-        <p:spPr>
-          <a:xfrm>
-            <a:off x="5294170" y="492573"/>
-            <a:ext cx="6272849" cy="5880796"/>
-          </a:xfrm>
-          <a:prstGeom prst="rect">
-            <a:avLst/>
-          </a:prstGeom>
-        </p:spPr>
-      </p:pic>
-    </p:spTree>
-    <p:extLst>
-      <p:ext uri="{BB962C8B-B14F-4D97-AF65-F5344CB8AC3E}">
-        <p14:creationId xmlns:p14="http://schemas.microsoft.com/office/powerpoint/2010/main" val="3492767469"/>
-      </p:ext>
-    </p:extLst>
-  </p:cSld>
-  <p:clrMapOvr>
-    <a:masterClrMapping/>
-  </p:clrMapOvr>
-</p:sld>
-</file>
-
-<file path=ppt/slides/slide9.xml><?xml version="1.0" encoding="utf-8"?>
-<p:sld xmlns:a="http://schemas.openxmlformats.org/drawingml/2006/main" xmlns:r="http://schemas.openxmlformats.org/officeDocument/2006/relationships" xmlns:p="http://schemas.openxmlformats.org/presentationml/2006/main">
-  <p:cSld>
-    <p:bg>
-      <p:bgPr>
-        <a:solidFill>
-          <a:schemeClr val="bg1"/>
-        </a:solidFill>
-        <a:effectLst/>
-      </p:bgPr>
-    </p:bg>
-    <p:spTree>
-      <p:nvGrpSpPr>
-        <p:cNvPr id="1" name=""/>
-        <p:cNvGrpSpPr/>
-        <p:nvPr/>
-      </p:nvGrpSpPr>
-      <p:grpSpPr>
-        <a:xfrm>
-          <a:off x="0" y="0"/>
-          <a:ext cx="0" cy="0"/>
-          <a:chOff x="0" y="0"/>
-          <a:chExt cx="0" cy="0"/>
-        </a:xfrm>
-      </p:grpSpPr>
-      <p:sp>
-        <p:nvSpPr>
-          <p:cNvPr id="10" name="Rectangle 9">
-            <a:extLst>
-              <a:ext uri="{FF2B5EF4-FFF2-40B4-BE49-F238E27FC236}">
-                <a16:creationId xmlns:a16="http://schemas.microsoft.com/office/drawing/2014/main" id="{1707FC24-6981-43D9-B525-C7832BA22463}"/>
-              </a:ext>
-              <a:ext uri="{C183D7F6-B498-43B3-948B-1728B52AA6E4}">
-                <adec:decorative xmlns:adec="http://schemas.microsoft.com/office/drawing/2017/decorative" val="1"/>
-              </a:ext>
-            </a:extLst>
-          </p:cNvPr>
-          <p:cNvSpPr>
-            <a:spLocks noGrp="1" noRot="1" noChangeAspect="1" noMove="1" noResize="1" noEditPoints="1" noAdjustHandles="1" noChangeArrowheads="1" noChangeShapeType="1" noTextEdit="1"/>
-          </p:cNvSpPr>
-          <p:nvPr>
-            <p:extLst>
-              <p:ext uri="{386F3935-93C4-4BCD-93E2-E3B085C9AB24}">
-                <p16:designElem xmlns:p16="http://schemas.microsoft.com/office/powerpoint/2015/main" val="1"/>
-              </p:ext>
-            </p:extLst>
-          </p:nvPr>
-        </p:nvSpPr>
-        <p:spPr bwMode="ltGray">
-          <a:xfrm>
-            <a:off x="336884" y="311449"/>
-            <a:ext cx="4332307" cy="6179552"/>
-          </a:xfrm>
-          <a:prstGeom prst="rect">
-            <a:avLst/>
-          </a:prstGeom>
-          <a:solidFill>
-            <a:srgbClr val="404040"/>
-          </a:solidFill>
-          <a:ln w="127000" cap="sq" cmpd="thinThick">
-            <a:solidFill>
-              <a:srgbClr val="404040"/>
-            </a:solidFill>
-          </a:ln>
-        </p:spPr>
-        <p:style>
-          <a:lnRef idx="2">
-            <a:schemeClr val="accent1">
-              <a:shade val="50000"/>
-            </a:schemeClr>
-          </a:lnRef>
-          <a:fillRef idx="1">
-            <a:schemeClr val="accent1"/>
-          </a:fillRef>
-          <a:effectRef idx="0">
-            <a:schemeClr val="accent1"/>
-          </a:effectRef>
-          <a:fontRef idx="minor">
-            <a:schemeClr val="lt1"/>
-          </a:fontRef>
-        </p:style>
-        <p:txBody>
-          <a:bodyPr rtlCol="0" anchor="ctr"/>
-          <a:lstStyle/>
-          <a:p>
-            <a:pPr algn="ctr"/>
-            <a:endParaRPr lang="en-US"/>
-          </a:p>
-        </p:txBody>
-      </p:sp>
-      <p:sp>
-        <p:nvSpPr>
-          <p:cNvPr id="2" name="Título 1">
-            <a:extLst>
-              <a:ext uri="{FF2B5EF4-FFF2-40B4-BE49-F238E27FC236}">
-                <a16:creationId xmlns:a16="http://schemas.microsoft.com/office/drawing/2014/main" id="{052CB471-4E6A-4862-BD14-78D13A0FF9BF}"/>
-              </a:ext>
-            </a:extLst>
-          </p:cNvPr>
-          <p:cNvSpPr>
-            <a:spLocks noGrp="1"/>
-          </p:cNvSpPr>
-          <p:nvPr>
-            <p:ph type="title"/>
-          </p:nvPr>
-        </p:nvSpPr>
-        <p:spPr>
-          <a:xfrm>
-            <a:off x="742950" y="742951"/>
-            <a:ext cx="3476625" cy="4962524"/>
-          </a:xfrm>
-        </p:spPr>
-        <p:txBody>
-          <a:bodyPr vert="horz" lIns="91440" tIns="45720" rIns="91440" bIns="45720" rtlCol="0" anchor="ctr">
-            <a:normAutofit/>
-          </a:bodyPr>
-          <a:lstStyle/>
-          <a:p>
-            <a:pPr algn="ctr"/>
-            <a:r>
-              <a:rPr lang="en-US" sz="4800" kern="1200" dirty="0" err="1">
-                <a:solidFill>
-                  <a:srgbClr val="FFFFFF"/>
-                </a:solidFill>
-                <a:latin typeface="+mj-lt"/>
-                <a:ea typeface="+mj-ea"/>
-                <a:cs typeface="+mj-cs"/>
-              </a:rPr>
-              <a:t>Perfil</a:t>
-            </a:r>
-            <a:r>
-              <a:rPr lang="en-US" sz="4800" kern="1200" dirty="0">
-                <a:solidFill>
-                  <a:srgbClr val="FFFFFF"/>
-                </a:solidFill>
-                <a:latin typeface="+mj-lt"/>
-                <a:ea typeface="+mj-ea"/>
-                <a:cs typeface="+mj-cs"/>
-              </a:rPr>
-              <a:t> de </a:t>
-            </a:r>
-            <a:r>
-              <a:rPr lang="en-US" sz="4800" kern="1200">
-                <a:solidFill>
-                  <a:srgbClr val="FFFFFF"/>
-                </a:solidFill>
-                <a:latin typeface="+mj-lt"/>
-                <a:ea typeface="+mj-ea"/>
-                <a:cs typeface="+mj-cs"/>
-              </a:rPr>
-              <a:t>usuário</a:t>
-            </a:r>
-            <a:endParaRPr lang="en-US" sz="4800" kern="1200" dirty="0">
-              <a:solidFill>
-                <a:srgbClr val="FFFFFF"/>
-              </a:solidFill>
-              <a:latin typeface="+mj-lt"/>
-              <a:ea typeface="+mj-ea"/>
-              <a:cs typeface="+mj-cs"/>
-            </a:endParaRPr>
-          </a:p>
-        </p:txBody>
-      </p:sp>
-      <p:pic>
-        <p:nvPicPr>
-          <p:cNvPr id="5" name="Espaço Reservado para Conteúdo 4" descr="Mapa colorido com texto preto sobre fundo branco&#10;&#10;Descrição gerada automaticamente">
-            <a:extLst>
-              <a:ext uri="{FF2B5EF4-FFF2-40B4-BE49-F238E27FC236}">
-                <a16:creationId xmlns:a16="http://schemas.microsoft.com/office/drawing/2014/main" id="{F46F2186-8C2E-4F3C-A0D5-5B3E7B32FE3C}"/>
-              </a:ext>
-            </a:extLst>
-          </p:cNvPr>
-          <p:cNvPicPr>
-            <a:picLocks noGrp="1" noChangeAspect="1"/>
-          </p:cNvPicPr>
-          <p:nvPr>
-            <p:ph idx="1"/>
-          </p:nvPr>
-        </p:nvPicPr>
-        <p:blipFill>
-          <a:blip r:embed="rId2">
-            <a:extLst>
-              <a:ext uri="{28A0092B-C50C-407E-A947-70E740481C1C}">
-                <a14:useLocalDpi xmlns:a14="http://schemas.microsoft.com/office/drawing/2010/main" val="0"/>
-              </a:ext>
-            </a:extLst>
-          </a:blip>
-          <a:stretch>
-            <a:fillRect/>
-          </a:stretch>
-        </p:blipFill>
-        <p:spPr>
-          <a:xfrm>
-            <a:off x="5153822" y="754209"/>
-            <a:ext cx="6553545" cy="5357523"/>
-          </a:xfrm>
-          <a:prstGeom prst="rect">
-            <a:avLst/>
-          </a:prstGeom>
-        </p:spPr>
-      </p:pic>
-    </p:spTree>
-    <p:extLst>
-      <p:ext uri="{BB962C8B-B14F-4D97-AF65-F5344CB8AC3E}">
-        <p14:creationId xmlns:p14="http://schemas.microsoft.com/office/powerpoint/2010/main" val="1246626609"/>
       </p:ext>
     </p:extLst>
   </p:cSld>
